--- a/以太坊教程/课件/5_2_solidity深入讲解.pptx
+++ b/以太坊教程/课件/5_2_solidity深入讲解.pptx
@@ -227,7 +227,7 @@
           <a:p>
             <a:fld id="{31A2A103-01E9-406E-AEF1-210DF53BAA37}" type="datetimeFigureOut">
               <a:rPr lang="zh-CN" altLang="en-US" smtClean="0"/>
-              <a:t>2018/10/27</a:t>
+              <a:t>2018/11/28</a:t>
             </a:fld>
             <a:endParaRPr lang="zh-CN" altLang="en-US"/>
           </a:p>
@@ -3764,7 +3764,7 @@
           <a:p>
             <a:fld id="{530820CF-B880-4189-942D-D702A7CBA730}" type="datetimeFigureOut">
               <a:rPr lang="zh-CN" altLang="en-US" smtClean="0"/>
-              <a:t>2018/10/27</a:t>
+              <a:t>2018/11/28</a:t>
             </a:fld>
             <a:endParaRPr lang="zh-CN" altLang="en-US"/>
           </a:p>
@@ -3929,7 +3929,7 @@
           <a:p>
             <a:fld id="{530820CF-B880-4189-942D-D702A7CBA730}" type="datetimeFigureOut">
               <a:rPr lang="zh-CN" altLang="en-US" smtClean="0"/>
-              <a:t>2018/10/27</a:t>
+              <a:t>2018/11/28</a:t>
             </a:fld>
             <a:endParaRPr lang="zh-CN" altLang="en-US"/>
           </a:p>
@@ -4104,7 +4104,7 @@
           <a:p>
             <a:fld id="{530820CF-B880-4189-942D-D702A7CBA730}" type="datetimeFigureOut">
               <a:rPr lang="zh-CN" altLang="en-US" smtClean="0"/>
-              <a:t>2018/10/27</a:t>
+              <a:t>2018/11/28</a:t>
             </a:fld>
             <a:endParaRPr lang="zh-CN" altLang="en-US"/>
           </a:p>
@@ -4269,7 +4269,7 @@
           <a:p>
             <a:fld id="{530820CF-B880-4189-942D-D702A7CBA730}" type="datetimeFigureOut">
               <a:rPr lang="zh-CN" altLang="en-US" smtClean="0"/>
-              <a:t>2018/10/27</a:t>
+              <a:t>2018/11/28</a:t>
             </a:fld>
             <a:endParaRPr lang="zh-CN" altLang="en-US"/>
           </a:p>
@@ -4510,7 +4510,7 @@
           <a:p>
             <a:fld id="{530820CF-B880-4189-942D-D702A7CBA730}" type="datetimeFigureOut">
               <a:rPr lang="zh-CN" altLang="en-US" smtClean="0"/>
-              <a:t>2018/10/27</a:t>
+              <a:t>2018/11/28</a:t>
             </a:fld>
             <a:endParaRPr lang="zh-CN" altLang="en-US"/>
           </a:p>
@@ -4793,7 +4793,7 @@
           <a:p>
             <a:fld id="{530820CF-B880-4189-942D-D702A7CBA730}" type="datetimeFigureOut">
               <a:rPr lang="zh-CN" altLang="en-US" smtClean="0"/>
-              <a:t>2018/10/27</a:t>
+              <a:t>2018/11/28</a:t>
             </a:fld>
             <a:endParaRPr lang="zh-CN" altLang="en-US"/>
           </a:p>
@@ -5210,7 +5210,7 @@
           <a:p>
             <a:fld id="{530820CF-B880-4189-942D-D702A7CBA730}" type="datetimeFigureOut">
               <a:rPr lang="zh-CN" altLang="en-US" smtClean="0"/>
-              <a:t>2018/10/27</a:t>
+              <a:t>2018/11/28</a:t>
             </a:fld>
             <a:endParaRPr lang="zh-CN" altLang="en-US"/>
           </a:p>
@@ -5323,7 +5323,7 @@
           <a:p>
             <a:fld id="{530820CF-B880-4189-942D-D702A7CBA730}" type="datetimeFigureOut">
               <a:rPr lang="zh-CN" altLang="en-US" smtClean="0"/>
-              <a:t>2018/10/27</a:t>
+              <a:t>2018/11/28</a:t>
             </a:fld>
             <a:endParaRPr lang="zh-CN" altLang="en-US"/>
           </a:p>
@@ -5413,7 +5413,7 @@
           <a:p>
             <a:fld id="{530820CF-B880-4189-942D-D702A7CBA730}" type="datetimeFigureOut">
               <a:rPr lang="zh-CN" altLang="en-US" smtClean="0"/>
-              <a:t>2018/10/27</a:t>
+              <a:t>2018/11/28</a:t>
             </a:fld>
             <a:endParaRPr lang="zh-CN" altLang="en-US"/>
           </a:p>
@@ -5685,7 +5685,7 @@
           <a:p>
             <a:fld id="{530820CF-B880-4189-942D-D702A7CBA730}" type="datetimeFigureOut">
               <a:rPr lang="zh-CN" altLang="en-US" smtClean="0"/>
-              <a:t>2018/10/27</a:t>
+              <a:t>2018/11/28</a:t>
             </a:fld>
             <a:endParaRPr lang="zh-CN" altLang="en-US"/>
           </a:p>
@@ -5933,7 +5933,7 @@
           <a:p>
             <a:fld id="{530820CF-B880-4189-942D-D702A7CBA730}" type="datetimeFigureOut">
               <a:rPr lang="zh-CN" altLang="en-US" smtClean="0"/>
-              <a:t>2018/10/27</a:t>
+              <a:t>2018/11/28</a:t>
             </a:fld>
             <a:endParaRPr lang="zh-CN" altLang="en-US"/>
           </a:p>
@@ -5993,9 +5993,18 @@
 <p:sldMaster xmlns:a="http://schemas.openxmlformats.org/drawingml/2006/main" xmlns:r="http://schemas.openxmlformats.org/officeDocument/2006/relationships" xmlns:p="http://schemas.openxmlformats.org/presentationml/2006/main">
   <p:cSld>
     <p:bg>
-      <p:bgRef idx="1001">
-        <a:schemeClr val="bg1"/>
-      </p:bgRef>
+      <p:bgPr>
+        <a:blipFill dpi="0" rotWithShape="1">
+          <a:blip r:embed="rId13">
+            <a:lum/>
+          </a:blip>
+          <a:srcRect/>
+          <a:stretch>
+            <a:fillRect/>
+          </a:stretch>
+        </a:blipFill>
+        <a:effectLst/>
+      </p:bgPr>
     </p:bg>
     <p:spTree>
       <p:nvGrpSpPr>
@@ -6141,7 +6150,7 @@
           <a:p>
             <a:fld id="{530820CF-B880-4189-942D-D702A7CBA730}" type="datetimeFigureOut">
               <a:rPr lang="zh-CN" altLang="en-US" smtClean="0"/>
-              <a:t>2018/10/27</a:t>
+              <a:t>2018/11/28</a:t>
             </a:fld>
             <a:endParaRPr lang="zh-CN" altLang="en-US"/>
           </a:p>
@@ -6622,34 +6631,41 @@
             <p:ph type="title"/>
           </p:nvPr>
         </p:nvSpPr>
-        <p:spPr/>
-        <p:txBody>
-          <a:bodyPr/>
+        <p:spPr>
+          <a:xfrm>
+            <a:off x="457200" y="485800"/>
+            <a:ext cx="8229600" cy="1143000"/>
+          </a:xfrm>
+        </p:spPr>
+        <p:txBody>
+          <a:bodyPr>
+            <a:normAutofit/>
+          </a:bodyPr>
           <a:lstStyle/>
           <a:p>
             <a:pPr algn="l"/>
             <a:r>
-              <a:rPr lang="zh-CN" altLang="en-US" dirty="0" smtClean="0">
+              <a:rPr lang="zh-CN" altLang="en-US" sz="3600" dirty="0" smtClean="0">
                 <a:latin typeface="微软雅黑 Light" pitchFamily="34" charset="-122"/>
                 <a:ea typeface="微软雅黑 Light" pitchFamily="34" charset="-122"/>
               </a:rPr>
               <a:t>  字符数组（</a:t>
             </a:r>
             <a:r>
-              <a:rPr lang="en-US" altLang="zh-CN" dirty="0" smtClean="0">
+              <a:rPr lang="en-US" altLang="zh-CN" sz="3600" dirty="0" smtClean="0">
                 <a:latin typeface="微软雅黑 Light" pitchFamily="34" charset="-122"/>
                 <a:ea typeface="微软雅黑 Light" pitchFamily="34" charset="-122"/>
               </a:rPr>
               <a:t>Byte Arrays</a:t>
             </a:r>
             <a:r>
-              <a:rPr lang="zh-CN" altLang="en-US" dirty="0" smtClean="0">
+              <a:rPr lang="zh-CN" altLang="en-US" sz="3600" dirty="0" smtClean="0">
                 <a:latin typeface="微软雅黑 Light" pitchFamily="34" charset="-122"/>
                 <a:ea typeface="微软雅黑 Light" pitchFamily="34" charset="-122"/>
               </a:rPr>
               <a:t>）</a:t>
             </a:r>
-            <a:endParaRPr lang="zh-CN" altLang="en-US" dirty="0">
+            <a:endParaRPr lang="zh-CN" altLang="en-US" sz="3600" dirty="0">
               <a:latin typeface="微软雅黑 Light" pitchFamily="34" charset="-122"/>
               <a:ea typeface="微软雅黑 Light" pitchFamily="34" charset="-122"/>
             </a:endParaRPr>
@@ -6927,34 +6943,41 @@
             <p:ph type="title"/>
           </p:nvPr>
         </p:nvSpPr>
-        <p:spPr/>
-        <p:txBody>
-          <a:bodyPr/>
+        <p:spPr>
+          <a:xfrm>
+            <a:off x="457200" y="485800"/>
+            <a:ext cx="8229600" cy="1143000"/>
+          </a:xfrm>
+        </p:spPr>
+        <p:txBody>
+          <a:bodyPr>
+            <a:normAutofit/>
+          </a:bodyPr>
           <a:lstStyle/>
           <a:p>
             <a:pPr algn="l"/>
             <a:r>
-              <a:rPr lang="zh-CN" altLang="en-US" dirty="0" smtClean="0">
+              <a:rPr lang="zh-CN" altLang="en-US" sz="3600" dirty="0" smtClean="0">
                 <a:latin typeface="微软雅黑 Light" pitchFamily="34" charset="-122"/>
                 <a:ea typeface="微软雅黑 Light" pitchFamily="34" charset="-122"/>
               </a:rPr>
               <a:t>  数组（</a:t>
             </a:r>
             <a:r>
-              <a:rPr lang="en-US" altLang="zh-CN" dirty="0">
+              <a:rPr lang="en-US" altLang="zh-CN" sz="3600" dirty="0">
                 <a:latin typeface="微软雅黑 Light" pitchFamily="34" charset="-122"/>
                 <a:ea typeface="微软雅黑 Light" pitchFamily="34" charset="-122"/>
               </a:rPr>
               <a:t>Array</a:t>
             </a:r>
             <a:r>
-              <a:rPr lang="zh-CN" altLang="en-US" dirty="0" smtClean="0">
+              <a:rPr lang="zh-CN" altLang="en-US" sz="3600" dirty="0" smtClean="0">
                 <a:latin typeface="微软雅黑 Light" pitchFamily="34" charset="-122"/>
                 <a:ea typeface="微软雅黑 Light" pitchFamily="34" charset="-122"/>
               </a:rPr>
               <a:t>）</a:t>
             </a:r>
-            <a:endParaRPr lang="zh-CN" altLang="en-US" dirty="0">
+            <a:endParaRPr lang="zh-CN" altLang="en-US" sz="3600" dirty="0">
               <a:latin typeface="微软雅黑 Light" pitchFamily="34" charset="-122"/>
               <a:ea typeface="微软雅黑 Light" pitchFamily="34" charset="-122"/>
             </a:endParaRPr>
@@ -7206,27 +7229,34 @@
             <p:ph type="title"/>
           </p:nvPr>
         </p:nvSpPr>
-        <p:spPr/>
-        <p:txBody>
-          <a:bodyPr/>
+        <p:spPr>
+          <a:xfrm>
+            <a:off x="457200" y="485800"/>
+            <a:ext cx="8229600" cy="1143000"/>
+          </a:xfrm>
+        </p:spPr>
+        <p:txBody>
+          <a:bodyPr>
+            <a:normAutofit/>
+          </a:bodyPr>
           <a:lstStyle/>
           <a:p>
             <a:pPr algn="l"/>
             <a:r>
-              <a:rPr lang="zh-CN" altLang="en-US" dirty="0">
+              <a:rPr lang="zh-CN" altLang="en-US" sz="3600" dirty="0">
                 <a:latin typeface="微软雅黑 Light" pitchFamily="34" charset="-122"/>
                 <a:ea typeface="微软雅黑 Light" pitchFamily="34" charset="-122"/>
               </a:rPr>
               <a:t> </a:t>
             </a:r>
             <a:r>
-              <a:rPr lang="zh-CN" altLang="en-US" dirty="0" smtClean="0">
+              <a:rPr lang="zh-CN" altLang="en-US" sz="3600" dirty="0" smtClean="0">
                 <a:latin typeface="微软雅黑 Light" pitchFamily="34" charset="-122"/>
                 <a:ea typeface="微软雅黑 Light" pitchFamily="34" charset="-122"/>
               </a:rPr>
               <a:t>数组示例</a:t>
             </a:r>
-            <a:endParaRPr lang="zh-CN" altLang="en-US" dirty="0"/>
+            <a:endParaRPr lang="zh-CN" altLang="en-US" sz="3600" dirty="0"/>
           </a:p>
         </p:txBody>
       </p:sp>
@@ -7487,41 +7517,48 @@
             <p:ph type="title"/>
           </p:nvPr>
         </p:nvSpPr>
-        <p:spPr/>
-        <p:txBody>
-          <a:bodyPr/>
+        <p:spPr>
+          <a:xfrm>
+            <a:off x="457200" y="485800"/>
+            <a:ext cx="8229600" cy="1143000"/>
+          </a:xfrm>
+        </p:spPr>
+        <p:txBody>
+          <a:bodyPr>
+            <a:normAutofit/>
+          </a:bodyPr>
           <a:lstStyle/>
           <a:p>
             <a:pPr algn="l"/>
             <a:r>
-              <a:rPr lang="zh-CN" altLang="en-US" dirty="0" smtClean="0">
+              <a:rPr lang="zh-CN" altLang="en-US" sz="3600" dirty="0" smtClean="0">
                 <a:latin typeface="微软雅黑 Light" pitchFamily="34" charset="-122"/>
                 <a:ea typeface="微软雅黑 Light" pitchFamily="34" charset="-122"/>
               </a:rPr>
               <a:t>  结构（</a:t>
             </a:r>
             <a:r>
-              <a:rPr lang="en-US" altLang="zh-CN" dirty="0">
+              <a:rPr lang="en-US" altLang="zh-CN" sz="3600" dirty="0">
                 <a:latin typeface="微软雅黑 Light" pitchFamily="34" charset="-122"/>
                 <a:ea typeface="微软雅黑 Light" pitchFamily="34" charset="-122"/>
               </a:rPr>
               <a:t>S</a:t>
             </a:r>
             <a:r>
-              <a:rPr lang="en-US" altLang="zh-CN" dirty="0" smtClean="0">
+              <a:rPr lang="en-US" altLang="zh-CN" sz="3600" dirty="0" smtClean="0">
                 <a:latin typeface="微软雅黑 Light" pitchFamily="34" charset="-122"/>
                 <a:ea typeface="微软雅黑 Light" pitchFamily="34" charset="-122"/>
               </a:rPr>
               <a:t>truct</a:t>
             </a:r>
             <a:r>
-              <a:rPr lang="zh-CN" altLang="en-US" dirty="0" smtClean="0">
+              <a:rPr lang="zh-CN" altLang="en-US" sz="3600" dirty="0" smtClean="0">
                 <a:latin typeface="微软雅黑 Light" pitchFamily="34" charset="-122"/>
                 <a:ea typeface="微软雅黑 Light" pitchFamily="34" charset="-122"/>
               </a:rPr>
               <a:t>）</a:t>
             </a:r>
-            <a:endParaRPr lang="zh-CN" altLang="en-US" dirty="0">
+            <a:endParaRPr lang="zh-CN" altLang="en-US" sz="3600" dirty="0">
               <a:latin typeface="微软雅黑 Light" pitchFamily="34" charset="-122"/>
               <a:ea typeface="微软雅黑 Light" pitchFamily="34" charset="-122"/>
             </a:endParaRPr>
@@ -7897,34 +7934,41 @@
             <p:ph type="title"/>
           </p:nvPr>
         </p:nvSpPr>
-        <p:spPr/>
-        <p:txBody>
-          <a:bodyPr/>
+        <p:spPr>
+          <a:xfrm>
+            <a:off x="457200" y="404664"/>
+            <a:ext cx="8229600" cy="1143000"/>
+          </a:xfrm>
+        </p:spPr>
+        <p:txBody>
+          <a:bodyPr>
+            <a:normAutofit/>
+          </a:bodyPr>
           <a:lstStyle/>
           <a:p>
             <a:pPr algn="l"/>
             <a:r>
-              <a:rPr lang="zh-CN" altLang="en-US" dirty="0" smtClean="0">
+              <a:rPr lang="zh-CN" altLang="en-US" sz="3600" dirty="0" smtClean="0">
                 <a:latin typeface="微软雅黑 Light" pitchFamily="34" charset="-122"/>
                 <a:ea typeface="微软雅黑 Light" pitchFamily="34" charset="-122"/>
               </a:rPr>
               <a:t>  映射（</a:t>
             </a:r>
             <a:r>
-              <a:rPr lang="en-US" altLang="zh-CN" dirty="0">
+              <a:rPr lang="en-US" altLang="zh-CN" sz="3600" dirty="0">
                 <a:latin typeface="微软雅黑 Light" pitchFamily="34" charset="-122"/>
                 <a:ea typeface="微软雅黑 Light" pitchFamily="34" charset="-122"/>
               </a:rPr>
               <a:t>Mapping</a:t>
             </a:r>
             <a:r>
-              <a:rPr lang="zh-CN" altLang="en-US" dirty="0" smtClean="0">
+              <a:rPr lang="zh-CN" altLang="en-US" sz="3600" dirty="0" smtClean="0">
                 <a:latin typeface="微软雅黑 Light" pitchFamily="34" charset="-122"/>
                 <a:ea typeface="微软雅黑 Light" pitchFamily="34" charset="-122"/>
               </a:rPr>
               <a:t>）</a:t>
             </a:r>
-            <a:endParaRPr lang="zh-CN" altLang="en-US" dirty="0">
+            <a:endParaRPr lang="zh-CN" altLang="en-US" sz="3600" dirty="0">
               <a:latin typeface="微软雅黑 Light" pitchFamily="34" charset="-122"/>
               <a:ea typeface="微软雅黑 Light" pitchFamily="34" charset="-122"/>
             </a:endParaRPr>
@@ -8601,30 +8645,32 @@
         </p:nvSpPr>
         <p:spPr>
           <a:xfrm>
-            <a:off x="457200" y="188640"/>
+            <a:off x="457200" y="413792"/>
             <a:ext cx="8229600" cy="1143000"/>
           </a:xfrm>
         </p:spPr>
         <p:txBody>
-          <a:bodyPr/>
+          <a:bodyPr>
+            <a:normAutofit/>
+          </a:bodyPr>
           <a:lstStyle/>
           <a:p>
             <a:pPr algn="l"/>
             <a:r>
-              <a:rPr lang="en-US" altLang="zh-CN" dirty="0" smtClean="0">
+              <a:rPr lang="en-US" altLang="zh-CN" sz="3600" dirty="0" smtClean="0">
                 <a:latin typeface="微软雅黑 Light" pitchFamily="34" charset="-122"/>
                 <a:ea typeface="微软雅黑 Light" pitchFamily="34" charset="-122"/>
               </a:rPr>
               <a:t>  Solidity</a:t>
             </a:r>
             <a:r>
-              <a:rPr lang="zh-CN" altLang="en-US" dirty="0" smtClean="0">
+              <a:rPr lang="zh-CN" altLang="en-US" sz="3600" dirty="0" smtClean="0">
                 <a:latin typeface="微软雅黑 Light" pitchFamily="34" charset="-122"/>
                 <a:ea typeface="微软雅黑 Light" pitchFamily="34" charset="-122"/>
               </a:rPr>
               <a:t>数据位置</a:t>
             </a:r>
-            <a:endParaRPr lang="zh-CN" altLang="en-US" dirty="0">
+            <a:endParaRPr lang="zh-CN" altLang="en-US" sz="3600" dirty="0">
               <a:latin typeface="微软雅黑 Light" pitchFamily="34" charset="-122"/>
               <a:ea typeface="微软雅黑 Light" pitchFamily="34" charset="-122"/>
             </a:endParaRPr>
@@ -8906,30 +8952,32 @@
         </p:nvSpPr>
         <p:spPr>
           <a:xfrm>
-            <a:off x="457200" y="188640"/>
+            <a:off x="611560" y="341784"/>
             <a:ext cx="8229600" cy="1143000"/>
           </a:xfrm>
         </p:spPr>
         <p:txBody>
-          <a:bodyPr/>
+          <a:bodyPr>
+            <a:normAutofit/>
+          </a:bodyPr>
           <a:lstStyle/>
           <a:p>
             <a:pPr algn="l"/>
             <a:r>
-              <a:rPr lang="en-US" altLang="zh-CN" dirty="0" smtClean="0">
+              <a:rPr lang="en-US" altLang="zh-CN" sz="3600" dirty="0" smtClean="0">
                 <a:latin typeface="微软雅黑 Light" pitchFamily="34" charset="-122"/>
                 <a:ea typeface="微软雅黑 Light" pitchFamily="34" charset="-122"/>
               </a:rPr>
               <a:t>  </a:t>
             </a:r>
             <a:r>
-              <a:rPr lang="zh-CN" altLang="en-US" dirty="0" smtClean="0">
+              <a:rPr lang="zh-CN" altLang="en-US" sz="3600" dirty="0" smtClean="0">
                 <a:latin typeface="微软雅黑 Light" pitchFamily="34" charset="-122"/>
                 <a:ea typeface="微软雅黑 Light" pitchFamily="34" charset="-122"/>
               </a:rPr>
               <a:t>数据位置总结</a:t>
             </a:r>
-            <a:endParaRPr lang="zh-CN" altLang="en-US" dirty="0">
+            <a:endParaRPr lang="zh-CN" altLang="en-US" sz="3600" dirty="0">
               <a:latin typeface="微软雅黑 Light" pitchFamily="34" charset="-122"/>
               <a:ea typeface="微软雅黑 Light" pitchFamily="34" charset="-122"/>
             </a:endParaRPr>
@@ -9240,7 +9288,7 @@
         </p:nvSpPr>
         <p:spPr>
           <a:xfrm>
-            <a:off x="539552" y="332656"/>
+            <a:off x="539552" y="620688"/>
             <a:ext cx="8147248" cy="6048672"/>
           </a:xfrm>
         </p:spPr>
@@ -9259,14 +9307,16 @@
             </a:r>
             <a:r>
               <a:rPr lang="zh-CN" altLang="en-US" sz="2000" i="1" dirty="0" smtClean="0"/>
-              <a:t>一个简单的例子</a:t>
-            </a:r>
-            <a:endParaRPr lang="en-US" altLang="zh-CN" sz="2000" i="1" dirty="0" smtClean="0"/>
-          </a:p>
-          <a:p>
-            <a:pPr marL="0" indent="0">
-              <a:buNone/>
-            </a:pPr>
+              <a:t>一个简单</a:t>
+            </a:r>
+            <a:r>
+              <a:rPr lang="zh-CN" altLang="en-US" sz="2000" i="1" smtClean="0"/>
+              <a:t>的</a:t>
+            </a:r>
+            <a:r>
+              <a:rPr lang="zh-CN" altLang="en-US" sz="2000" i="1" smtClean="0"/>
+              <a:t>例子</a:t>
+            </a:r>
             <a:endParaRPr lang="en-US" altLang="zh-CN" sz="2000" i="1" dirty="0" smtClean="0"/>
           </a:p>
           <a:p>
@@ -9601,7 +9651,7 @@
         </p:nvSpPr>
         <p:spPr>
           <a:xfrm>
-            <a:off x="1115616" y="404664"/>
+            <a:off x="899592" y="692696"/>
             <a:ext cx="7056784" cy="6048672"/>
           </a:xfrm>
         </p:spPr>
@@ -9615,12 +9665,12 @@
               <a:buNone/>
             </a:pPr>
             <a:r>
-              <a:rPr lang="en-US" altLang="zh-CN" sz="2000" i="1" dirty="0" smtClean="0"/>
+              <a:rPr lang="en-US" altLang="zh-CN" sz="2000" i="1" smtClean="0"/>
               <a:t>// </a:t>
             </a:r>
             <a:r>
-              <a:rPr lang="en-US" altLang="zh-CN" sz="2000" i="1" dirty="0"/>
-              <a:t>// </a:t>
+              <a:rPr lang="en-US" altLang="zh-CN" sz="2000" i="1" smtClean="0"/>
+              <a:t> </a:t>
             </a:r>
             <a:r>
               <a:rPr lang="zh-CN" altLang="en-US" sz="2000" i="1" dirty="0"/>
@@ -9628,18 +9678,16 @@
             </a:r>
             <a:r>
               <a:rPr lang="zh-CN" altLang="en-US" sz="2000" i="1" dirty="0" smtClean="0"/>
-              <a:t>代码包含一个错误</a:t>
-            </a:r>
-            <a:r>
-              <a:rPr lang="zh-CN" altLang="en-US" sz="2000" dirty="0" smtClean="0"/>
+              <a:t>代码包含一个</a:t>
+            </a:r>
+            <a:r>
+              <a:rPr lang="zh-CN" altLang="en-US" sz="2000" i="1" smtClean="0"/>
+              <a:t>错误</a:t>
+            </a:r>
+            <a:r>
+              <a:rPr lang="zh-CN" altLang="en-US" sz="2000" smtClean="0"/>
               <a:t> </a:t>
             </a:r>
-            <a:endParaRPr lang="en-US" altLang="zh-CN" sz="2000" b="1" dirty="0"/>
-          </a:p>
-          <a:p>
-            <a:pPr marL="0" indent="0">
-              <a:buNone/>
-            </a:pPr>
             <a:endParaRPr lang="en-US" altLang="zh-CN" sz="2000" b="1" dirty="0" smtClean="0"/>
           </a:p>
           <a:p>
@@ -9910,7 +9958,7 @@
         </p:nvSpPr>
         <p:spPr>
           <a:xfrm>
-            <a:off x="539552" y="116632"/>
+            <a:off x="611560" y="548680"/>
             <a:ext cx="8147248" cy="6192688"/>
           </a:xfrm>
         </p:spPr>
@@ -10349,27 +10397,34 @@
             <p:ph type="title"/>
           </p:nvPr>
         </p:nvSpPr>
-        <p:spPr/>
-        <p:txBody>
-          <a:bodyPr/>
+        <p:spPr>
+          <a:xfrm>
+            <a:off x="457200" y="485800"/>
+            <a:ext cx="8229600" cy="1143000"/>
+          </a:xfrm>
+        </p:spPr>
+        <p:txBody>
+          <a:bodyPr>
+            <a:normAutofit/>
+          </a:bodyPr>
           <a:lstStyle/>
           <a:p>
             <a:pPr algn="l"/>
             <a:r>
-              <a:rPr lang="en-US" altLang="zh-CN" dirty="0" smtClean="0">
+              <a:rPr lang="en-US" altLang="zh-CN" sz="3600" dirty="0" smtClean="0">
                 <a:latin typeface="微软雅黑 Light" pitchFamily="34" charset="-122"/>
                 <a:ea typeface="微软雅黑 Light" pitchFamily="34" charset="-122"/>
               </a:rPr>
               <a:t>  Solidity</a:t>
             </a:r>
             <a:r>
-              <a:rPr lang="zh-CN" altLang="en-US" dirty="0">
+              <a:rPr lang="zh-CN" altLang="en-US" sz="3600" dirty="0">
                 <a:latin typeface="微软雅黑 Light" pitchFamily="34" charset="-122"/>
                 <a:ea typeface="微软雅黑 Light" pitchFamily="34" charset="-122"/>
               </a:rPr>
               <a:t>源文件布局</a:t>
             </a:r>
-            <a:endParaRPr lang="zh-CN" altLang="en-US" dirty="0"/>
+            <a:endParaRPr lang="zh-CN" altLang="en-US" sz="3600" dirty="0"/>
           </a:p>
         </p:txBody>
       </p:sp>
@@ -10621,8 +10676,8 @@
         </p:nvSpPr>
         <p:spPr>
           <a:xfrm>
-            <a:off x="457200" y="260648"/>
-            <a:ext cx="8229600" cy="6336704"/>
+            <a:off x="457200" y="548680"/>
+            <a:ext cx="8229600" cy="6120680"/>
           </a:xfrm>
         </p:spPr>
         <p:txBody>
@@ -10632,6 +10687,12 @@
           <a:lstStyle/>
           <a:p>
             <a:pPr marL="0" indent="0">
+              <a:lnSpc>
+                <a:spcPct val="110000"/>
+              </a:lnSpc>
+              <a:spcBef>
+                <a:spcPts val="0"/>
+              </a:spcBef>
               <a:buNone/>
             </a:pPr>
             <a:r>
@@ -10646,6 +10707,12 @@
           </a:p>
           <a:p>
             <a:pPr marL="0" indent="0">
+              <a:lnSpc>
+                <a:spcPct val="110000"/>
+              </a:lnSpc>
+              <a:spcBef>
+                <a:spcPts val="0"/>
+              </a:spcBef>
               <a:buNone/>
             </a:pPr>
             <a:r>
@@ -10663,6 +10730,12 @@
           </a:p>
           <a:p>
             <a:pPr marL="0" indent="0">
+              <a:lnSpc>
+                <a:spcPct val="110000"/>
+              </a:lnSpc>
+              <a:spcBef>
+                <a:spcPts val="0"/>
+              </a:spcBef>
               <a:buNone/>
             </a:pPr>
             <a:r>
@@ -10676,6 +10749,12 @@
           </a:p>
           <a:p>
             <a:pPr marL="0" indent="0">
+              <a:lnSpc>
+                <a:spcPct val="110000"/>
+              </a:lnSpc>
+              <a:spcBef>
+                <a:spcPts val="0"/>
+              </a:spcBef>
               <a:buNone/>
             </a:pPr>
             <a:r>
@@ -10693,6 +10772,12 @@
           </a:p>
           <a:p>
             <a:pPr marL="0" indent="0">
+              <a:lnSpc>
+                <a:spcPct val="110000"/>
+              </a:lnSpc>
+              <a:spcBef>
+                <a:spcPts val="0"/>
+              </a:spcBef>
               <a:buNone/>
             </a:pPr>
             <a:r>
@@ -10718,6 +10803,12 @@
           </a:p>
           <a:p>
             <a:pPr marL="0" indent="0">
+              <a:lnSpc>
+                <a:spcPct val="110000"/>
+              </a:lnSpc>
+              <a:spcBef>
+                <a:spcPts val="0"/>
+              </a:spcBef>
               <a:buNone/>
             </a:pPr>
             <a:r>
@@ -10751,6 +10842,12 @@
           </a:p>
           <a:p>
             <a:pPr marL="0" indent="0">
+              <a:lnSpc>
+                <a:spcPct val="110000"/>
+              </a:lnSpc>
+              <a:spcBef>
+                <a:spcPts val="0"/>
+              </a:spcBef>
               <a:buNone/>
             </a:pPr>
             <a:r>
@@ -10772,6 +10869,12 @@
           </a:p>
           <a:p>
             <a:pPr marL="0" indent="0">
+              <a:lnSpc>
+                <a:spcPct val="110000"/>
+              </a:lnSpc>
+              <a:spcBef>
+                <a:spcPts val="0"/>
+              </a:spcBef>
               <a:buNone/>
             </a:pPr>
             <a:r>
@@ -10789,6 +10892,12 @@
           </a:p>
           <a:p>
             <a:pPr marL="0" indent="0">
+              <a:lnSpc>
+                <a:spcPct val="110000"/>
+              </a:lnSpc>
+              <a:spcBef>
+                <a:spcPts val="0"/>
+              </a:spcBef>
               <a:buNone/>
             </a:pPr>
             <a:r>
@@ -10830,6 +10939,12 @@
           </a:p>
           <a:p>
             <a:pPr marL="0" indent="0">
+              <a:lnSpc>
+                <a:spcPct val="110000"/>
+              </a:lnSpc>
+              <a:spcBef>
+                <a:spcPts val="0"/>
+              </a:spcBef>
               <a:buNone/>
             </a:pPr>
             <a:r>
@@ -10843,6 +10958,12 @@
           </a:p>
           <a:p>
             <a:pPr marL="0" indent="0">
+              <a:lnSpc>
+                <a:spcPct val="110000"/>
+              </a:lnSpc>
+              <a:spcBef>
+                <a:spcPts val="0"/>
+              </a:spcBef>
               <a:buNone/>
             </a:pPr>
             <a:r>
@@ -10856,6 +10977,12 @@
           </a:p>
           <a:p>
             <a:pPr marL="0" indent="0">
+              <a:lnSpc>
+                <a:spcPct val="110000"/>
+              </a:lnSpc>
+              <a:spcBef>
+                <a:spcPts val="0"/>
+              </a:spcBef>
               <a:buNone/>
             </a:pPr>
             <a:r>
@@ -10869,6 +10996,12 @@
           </a:p>
           <a:p>
             <a:pPr marL="0" indent="0">
+              <a:lnSpc>
+                <a:spcPct val="110000"/>
+              </a:lnSpc>
+              <a:spcBef>
+                <a:spcPts val="0"/>
+              </a:spcBef>
               <a:buNone/>
             </a:pPr>
             <a:r>
@@ -10882,6 +11015,12 @@
           </a:p>
           <a:p>
             <a:pPr marL="0" indent="0">
+              <a:lnSpc>
+                <a:spcPct val="110000"/>
+              </a:lnSpc>
+              <a:spcBef>
+                <a:spcPts val="0"/>
+              </a:spcBef>
               <a:buNone/>
             </a:pPr>
             <a:r>
@@ -10895,6 +11034,12 @@
           </a:p>
           <a:p>
             <a:pPr marL="0" indent="0">
+              <a:lnSpc>
+                <a:spcPct val="110000"/>
+              </a:lnSpc>
+              <a:spcBef>
+                <a:spcPts val="0"/>
+              </a:spcBef>
               <a:buNone/>
             </a:pPr>
             <a:r>
@@ -10908,6 +11053,12 @@
           </a:p>
           <a:p>
             <a:pPr marL="0" indent="0">
+              <a:lnSpc>
+                <a:spcPct val="110000"/>
+              </a:lnSpc>
+              <a:spcBef>
+                <a:spcPts val="0"/>
+              </a:spcBef>
               <a:buNone/>
             </a:pPr>
             <a:r>
@@ -10921,6 +11072,12 @@
           </a:p>
           <a:p>
             <a:pPr marL="0" indent="0">
+              <a:lnSpc>
+                <a:spcPct val="110000"/>
+              </a:lnSpc>
+              <a:spcBef>
+                <a:spcPts val="0"/>
+              </a:spcBef>
               <a:buNone/>
             </a:pPr>
             <a:r>
@@ -10935,6 +11092,12 @@
           </a:p>
           <a:p>
             <a:pPr marL="0" indent="0">
+              <a:lnSpc>
+                <a:spcPct val="110000"/>
+              </a:lnSpc>
+              <a:spcBef>
+                <a:spcPts val="0"/>
+              </a:spcBef>
               <a:buNone/>
             </a:pPr>
             <a:r>
@@ -10982,206 +11145,6 @@
           <a:chExt cx="0" cy="0"/>
         </a:xfrm>
       </p:grpSpPr>
-      <p:sp>
-        <p:nvSpPr>
-          <p:cNvPr id="2" name="标题 1"/>
-          <p:cNvSpPr>
-            <a:spLocks noGrp="1"/>
-          </p:cNvSpPr>
-          <p:nvPr>
-            <p:ph type="title"/>
-          </p:nvPr>
-        </p:nvSpPr>
-        <p:spPr>
-          <a:xfrm>
-            <a:off x="457200" y="188640"/>
-            <a:ext cx="8229600" cy="1143000"/>
-          </a:xfrm>
-        </p:spPr>
-        <p:txBody>
-          <a:bodyPr/>
-          <a:lstStyle/>
-          <a:p>
-            <a:pPr algn="l"/>
-            <a:r>
-              <a:rPr lang="en-US" altLang="zh-CN" dirty="0" smtClean="0">
-                <a:latin typeface="微软雅黑 Light" pitchFamily="34" charset="-122"/>
-                <a:ea typeface="微软雅黑 Light" pitchFamily="34" charset="-122"/>
-              </a:rPr>
-              <a:t>  Solidity</a:t>
-            </a:r>
-            <a:r>
-              <a:rPr lang="zh-CN" altLang="en-US" dirty="0" smtClean="0">
-                <a:latin typeface="微软雅黑 Light" pitchFamily="34" charset="-122"/>
-                <a:ea typeface="微软雅黑 Light" pitchFamily="34" charset="-122"/>
-              </a:rPr>
-              <a:t>函数声明和类型</a:t>
-            </a:r>
-            <a:endParaRPr lang="zh-CN" altLang="en-US" dirty="0">
-              <a:latin typeface="微软雅黑 Light" pitchFamily="34" charset="-122"/>
-              <a:ea typeface="微软雅黑 Light" pitchFamily="34" charset="-122"/>
-            </a:endParaRPr>
-          </a:p>
-        </p:txBody>
-      </p:sp>
-      <p:sp>
-        <p:nvSpPr>
-          <p:cNvPr id="3" name="内容占位符 2"/>
-          <p:cNvSpPr>
-            <a:spLocks noGrp="1"/>
-          </p:cNvSpPr>
-          <p:nvPr>
-            <p:ph idx="1"/>
-          </p:nvPr>
-        </p:nvSpPr>
-        <p:spPr>
-          <a:xfrm>
-            <a:off x="457200" y="2996952"/>
-            <a:ext cx="8363272" cy="3717032"/>
-          </a:xfrm>
-        </p:spPr>
-        <p:txBody>
-          <a:bodyPr>
-            <a:normAutofit lnSpcReduction="10000"/>
-          </a:bodyPr>
-          <a:lstStyle/>
-          <a:p>
-            <a:pPr marL="0" indent="0">
-              <a:lnSpc>
-                <a:spcPct val="130000"/>
-              </a:lnSpc>
-              <a:buNone/>
-            </a:pPr>
-            <a:r>
-              <a:rPr lang="zh-CN" altLang="en-US" sz="2000" dirty="0" smtClean="0"/>
-              <a:t>      函数的值类型</a:t>
-            </a:r>
-            <a:r>
-              <a:rPr lang="zh-CN" altLang="en-US" sz="2000" dirty="0"/>
-              <a:t>有两类：</a:t>
-            </a:r>
-            <a:r>
-              <a:rPr lang="en-US" altLang="zh-CN" sz="2000" dirty="0"/>
-              <a:t>- </a:t>
-            </a:r>
-            <a:r>
-              <a:rPr lang="zh-CN" altLang="en-US" sz="2000" i="1" dirty="0"/>
-              <a:t>内部（</a:t>
-            </a:r>
-            <a:r>
-              <a:rPr lang="en-US" altLang="zh-CN" sz="2000" i="1" dirty="0"/>
-              <a:t>internal</a:t>
-            </a:r>
-            <a:r>
-              <a:rPr lang="zh-CN" altLang="en-US" sz="2000" i="1" dirty="0"/>
-              <a:t>）</a:t>
-            </a:r>
-            <a:r>
-              <a:rPr lang="zh-CN" altLang="en-US" sz="2000" dirty="0"/>
-              <a:t>函数和 </a:t>
-            </a:r>
-            <a:r>
-              <a:rPr lang="zh-CN" altLang="en-US" sz="2000" i="1" dirty="0"/>
-              <a:t>外部（</a:t>
-            </a:r>
-            <a:r>
-              <a:rPr lang="en-US" altLang="zh-CN" sz="2000" i="1" dirty="0"/>
-              <a:t>external</a:t>
-            </a:r>
-            <a:r>
-              <a:rPr lang="zh-CN" altLang="en-US" sz="2000" i="1" dirty="0"/>
-              <a:t>）</a:t>
-            </a:r>
-            <a:r>
-              <a:rPr lang="zh-CN" altLang="en-US" sz="2000" dirty="0"/>
-              <a:t> </a:t>
-            </a:r>
-            <a:r>
-              <a:rPr lang="zh-CN" altLang="en-US" sz="2000" dirty="0" smtClean="0"/>
-              <a:t>函数</a:t>
-            </a:r>
-            <a:endParaRPr lang="zh-CN" altLang="en-US" sz="2000" dirty="0"/>
-          </a:p>
-          <a:p>
-            <a:pPr>
-              <a:lnSpc>
-                <a:spcPct val="130000"/>
-              </a:lnSpc>
-            </a:pPr>
-            <a:r>
-              <a:rPr lang="zh-CN" altLang="en-US" sz="2000" dirty="0"/>
-              <a:t>内部函数只能在当前合约内被调用（更具体来说，在当前代码块内，包括内部库函数和继承的函数中），因为它们不能在当前合约上下文的外部被执行。 调用一个内部函数是通过跳转到它的入口标签来实现的，就像在当前合约的内部调用一个函数。</a:t>
-            </a:r>
-          </a:p>
-          <a:p>
-            <a:pPr>
-              <a:lnSpc>
-                <a:spcPct val="130000"/>
-              </a:lnSpc>
-            </a:pPr>
-            <a:r>
-              <a:rPr lang="zh-CN" altLang="en-US" sz="2000" dirty="0"/>
-              <a:t>外部函数由一个地址和一个函数签名组成，可以通过外部函数调用传递或者</a:t>
-            </a:r>
-            <a:r>
-              <a:rPr lang="zh-CN" altLang="en-US" sz="2000" dirty="0" smtClean="0"/>
-              <a:t>返回</a:t>
-            </a:r>
-            <a:endParaRPr lang="en-US" altLang="zh-CN" sz="2000" dirty="0" smtClean="0"/>
-          </a:p>
-          <a:p>
-            <a:pPr>
-              <a:lnSpc>
-                <a:spcPct val="130000"/>
-              </a:lnSpc>
-            </a:pPr>
-            <a:r>
-              <a:rPr lang="zh-CN" altLang="en-US" sz="2000" dirty="0"/>
-              <a:t>调用</a:t>
-            </a:r>
-            <a:r>
-              <a:rPr lang="zh-CN" altLang="en-US" sz="2000" dirty="0" smtClean="0"/>
-              <a:t>内部函数：直接使用名字 </a:t>
-            </a:r>
-            <a:r>
-              <a:rPr lang="en-US" altLang="zh-CN" sz="2000" dirty="0" smtClean="0"/>
-              <a:t>f</a:t>
-            </a:r>
-          </a:p>
-          <a:p>
-            <a:pPr>
-              <a:lnSpc>
-                <a:spcPct val="130000"/>
-              </a:lnSpc>
-            </a:pPr>
-            <a:r>
-              <a:rPr lang="zh-CN" altLang="en-US" sz="2000" dirty="0" smtClean="0"/>
-              <a:t>调用外部函数：</a:t>
-            </a:r>
-            <a:r>
-              <a:rPr lang="en-US" altLang="zh-CN" sz="2000" dirty="0" smtClean="0"/>
-              <a:t>this.f</a:t>
-            </a:r>
-            <a:r>
-              <a:rPr lang="zh-CN" altLang="en-US" sz="2000" dirty="0" smtClean="0"/>
-              <a:t>（当前合约），</a:t>
-            </a:r>
-            <a:r>
-              <a:rPr lang="en-US" altLang="zh-CN" sz="2000" dirty="0"/>
-              <a:t>a</a:t>
-            </a:r>
-            <a:r>
-              <a:rPr lang="en-US" altLang="zh-CN" sz="2000" dirty="0" smtClean="0"/>
-              <a:t>.f</a:t>
-            </a:r>
-            <a:r>
-              <a:rPr lang="zh-CN" altLang="en-US" sz="2000" dirty="0" smtClean="0"/>
-              <a:t>（外部合约）</a:t>
-            </a:r>
-            <a:endParaRPr lang="zh-CN" altLang="en-US" sz="2000" dirty="0"/>
-          </a:p>
-        </p:txBody>
-      </p:sp>
       <p:pic>
         <p:nvPicPr>
           <p:cNvPr id="2050" name="Picture 2" descr="https://user-gold-cdn.xitu.io/2018/5/7/16337a1d31946ff5?imageslim"/>
@@ -11205,7 +11168,7 @@
         </p:blipFill>
         <p:spPr bwMode="auto">
           <a:xfrm>
-            <a:off x="779375" y="1124744"/>
+            <a:off x="755576" y="1142013"/>
             <a:ext cx="7496175" cy="1952625"/>
           </a:xfrm>
           <a:prstGeom prst="rect">
@@ -11223,6 +11186,208 @@
           </a:extLst>
         </p:spPr>
       </p:pic>
+      <p:sp>
+        <p:nvSpPr>
+          <p:cNvPr id="2" name="标题 1"/>
+          <p:cNvSpPr>
+            <a:spLocks noGrp="1"/>
+          </p:cNvSpPr>
+          <p:nvPr>
+            <p:ph type="title"/>
+          </p:nvPr>
+        </p:nvSpPr>
+        <p:spPr>
+          <a:xfrm>
+            <a:off x="457200" y="413792"/>
+            <a:ext cx="8229600" cy="1143000"/>
+          </a:xfrm>
+        </p:spPr>
+        <p:txBody>
+          <a:bodyPr>
+            <a:normAutofit/>
+          </a:bodyPr>
+          <a:lstStyle/>
+          <a:p>
+            <a:pPr algn="l"/>
+            <a:r>
+              <a:rPr lang="en-US" altLang="zh-CN" sz="3600" dirty="0" smtClean="0">
+                <a:latin typeface="微软雅黑 Light" pitchFamily="34" charset="-122"/>
+                <a:ea typeface="微软雅黑 Light" pitchFamily="34" charset="-122"/>
+              </a:rPr>
+              <a:t>  Solidity</a:t>
+            </a:r>
+            <a:r>
+              <a:rPr lang="zh-CN" altLang="en-US" sz="3600" dirty="0" smtClean="0">
+                <a:latin typeface="微软雅黑 Light" pitchFamily="34" charset="-122"/>
+                <a:ea typeface="微软雅黑 Light" pitchFamily="34" charset="-122"/>
+              </a:rPr>
+              <a:t>函数声明和类型</a:t>
+            </a:r>
+            <a:endParaRPr lang="zh-CN" altLang="en-US" sz="3600" dirty="0">
+              <a:latin typeface="微软雅黑 Light" pitchFamily="34" charset="-122"/>
+              <a:ea typeface="微软雅黑 Light" pitchFamily="34" charset="-122"/>
+            </a:endParaRPr>
+          </a:p>
+        </p:txBody>
+      </p:sp>
+      <p:sp>
+        <p:nvSpPr>
+          <p:cNvPr id="3" name="内容占位符 2"/>
+          <p:cNvSpPr>
+            <a:spLocks noGrp="1"/>
+          </p:cNvSpPr>
+          <p:nvPr>
+            <p:ph idx="1"/>
+          </p:nvPr>
+        </p:nvSpPr>
+        <p:spPr>
+          <a:xfrm>
+            <a:off x="457200" y="2820662"/>
+            <a:ext cx="8363272" cy="3717032"/>
+          </a:xfrm>
+        </p:spPr>
+        <p:txBody>
+          <a:bodyPr>
+            <a:normAutofit lnSpcReduction="10000"/>
+          </a:bodyPr>
+          <a:lstStyle/>
+          <a:p>
+            <a:pPr marL="0" indent="0">
+              <a:lnSpc>
+                <a:spcPct val="130000"/>
+              </a:lnSpc>
+              <a:buNone/>
+            </a:pPr>
+            <a:r>
+              <a:rPr lang="zh-CN" altLang="en-US" sz="2000" dirty="0" smtClean="0"/>
+              <a:t>      函数的值类型</a:t>
+            </a:r>
+            <a:r>
+              <a:rPr lang="zh-CN" altLang="en-US" sz="2000" dirty="0"/>
+              <a:t>有两类：</a:t>
+            </a:r>
+            <a:r>
+              <a:rPr lang="en-US" altLang="zh-CN" sz="2000" dirty="0"/>
+              <a:t>- </a:t>
+            </a:r>
+            <a:r>
+              <a:rPr lang="zh-CN" altLang="en-US" sz="2000" i="1" dirty="0"/>
+              <a:t>内部（</a:t>
+            </a:r>
+            <a:r>
+              <a:rPr lang="en-US" altLang="zh-CN" sz="2000" i="1" dirty="0"/>
+              <a:t>internal</a:t>
+            </a:r>
+            <a:r>
+              <a:rPr lang="zh-CN" altLang="en-US" sz="2000" i="1" dirty="0"/>
+              <a:t>）</a:t>
+            </a:r>
+            <a:r>
+              <a:rPr lang="zh-CN" altLang="en-US" sz="2000" dirty="0"/>
+              <a:t>函数和 </a:t>
+            </a:r>
+            <a:r>
+              <a:rPr lang="zh-CN" altLang="en-US" sz="2000" i="1" dirty="0"/>
+              <a:t>外部（</a:t>
+            </a:r>
+            <a:r>
+              <a:rPr lang="en-US" altLang="zh-CN" sz="2000" i="1" dirty="0"/>
+              <a:t>external</a:t>
+            </a:r>
+            <a:r>
+              <a:rPr lang="zh-CN" altLang="en-US" sz="2000" i="1" dirty="0"/>
+              <a:t>）</a:t>
+            </a:r>
+            <a:r>
+              <a:rPr lang="zh-CN" altLang="en-US" sz="2000" dirty="0"/>
+              <a:t> </a:t>
+            </a:r>
+            <a:r>
+              <a:rPr lang="zh-CN" altLang="en-US" sz="2000" dirty="0" smtClean="0"/>
+              <a:t>函数</a:t>
+            </a:r>
+            <a:endParaRPr lang="zh-CN" altLang="en-US" sz="2000" dirty="0"/>
+          </a:p>
+          <a:p>
+            <a:pPr>
+              <a:lnSpc>
+                <a:spcPct val="130000"/>
+              </a:lnSpc>
+            </a:pPr>
+            <a:r>
+              <a:rPr lang="zh-CN" altLang="en-US" sz="2000" dirty="0"/>
+              <a:t>内部函数只能在当前合约内被调用（更具体来说，在当前代码块内，包括内部库函数和继承的函数中），因为它们不能在当前合约上下文的外部被执行。 调用一个内部函数是通过跳转到它的入口标签来实现的，就像在当前合约的内部调用一个函数。</a:t>
+            </a:r>
+          </a:p>
+          <a:p>
+            <a:pPr>
+              <a:lnSpc>
+                <a:spcPct val="130000"/>
+              </a:lnSpc>
+            </a:pPr>
+            <a:r>
+              <a:rPr lang="zh-CN" altLang="en-US" sz="2000" dirty="0"/>
+              <a:t>外部函数由一个地址和一个函数签名组成，可以通过外部函数调用传递或者</a:t>
+            </a:r>
+            <a:r>
+              <a:rPr lang="zh-CN" altLang="en-US" sz="2000" dirty="0" smtClean="0"/>
+              <a:t>返回</a:t>
+            </a:r>
+            <a:endParaRPr lang="en-US" altLang="zh-CN" sz="2000" dirty="0" smtClean="0"/>
+          </a:p>
+          <a:p>
+            <a:pPr>
+              <a:lnSpc>
+                <a:spcPct val="130000"/>
+              </a:lnSpc>
+            </a:pPr>
+            <a:r>
+              <a:rPr lang="zh-CN" altLang="en-US" sz="2000" dirty="0"/>
+              <a:t>调用</a:t>
+            </a:r>
+            <a:r>
+              <a:rPr lang="zh-CN" altLang="en-US" sz="2000" dirty="0" smtClean="0"/>
+              <a:t>内部函数：直接使用名字 </a:t>
+            </a:r>
+            <a:r>
+              <a:rPr lang="en-US" altLang="zh-CN" sz="2000" dirty="0" smtClean="0"/>
+              <a:t>f</a:t>
+            </a:r>
+          </a:p>
+          <a:p>
+            <a:pPr>
+              <a:lnSpc>
+                <a:spcPct val="130000"/>
+              </a:lnSpc>
+            </a:pPr>
+            <a:r>
+              <a:rPr lang="zh-CN" altLang="en-US" sz="2000" dirty="0" smtClean="0"/>
+              <a:t>调用外部函数：</a:t>
+            </a:r>
+            <a:r>
+              <a:rPr lang="en-US" altLang="zh-CN" sz="2000" dirty="0" smtClean="0"/>
+              <a:t>this.f</a:t>
+            </a:r>
+            <a:r>
+              <a:rPr lang="zh-CN" altLang="en-US" sz="2000" dirty="0" smtClean="0"/>
+              <a:t>（当前合约），</a:t>
+            </a:r>
+            <a:r>
+              <a:rPr lang="en-US" altLang="zh-CN" sz="2000" dirty="0"/>
+              <a:t>a</a:t>
+            </a:r>
+            <a:r>
+              <a:rPr lang="en-US" altLang="zh-CN" sz="2000" dirty="0" smtClean="0"/>
+              <a:t>.f</a:t>
+            </a:r>
+            <a:r>
+              <a:rPr lang="zh-CN" altLang="en-US" sz="2000" dirty="0" smtClean="0"/>
+              <a:t>（外部合约）</a:t>
+            </a:r>
+            <a:endParaRPr lang="zh-CN" altLang="en-US" sz="2000" dirty="0"/>
+          </a:p>
+        </p:txBody>
+      </p:sp>
     </p:spTree>
     <p:extLst>
       <p:ext uri="{BB962C8B-B14F-4D97-AF65-F5344CB8AC3E}">
@@ -11272,31 +11437,33 @@
         </p:nvSpPr>
         <p:spPr>
           <a:xfrm>
-            <a:off x="457200" y="188640"/>
+            <a:off x="457200" y="413792"/>
             <a:ext cx="8229600" cy="1143000"/>
           </a:xfrm>
         </p:spPr>
         <p:txBody>
-          <a:bodyPr/>
+          <a:bodyPr>
+            <a:normAutofit/>
+          </a:bodyPr>
           <a:lstStyle/>
           <a:p>
             <a:pPr algn="l"/>
             <a:r>
-              <a:rPr lang="en-US" altLang="zh-CN" dirty="0" smtClean="0">
+              <a:rPr lang="en-US" altLang="zh-CN" sz="3600" dirty="0" smtClean="0">
                 <a:latin typeface="微软雅黑 Light" pitchFamily="34" charset="-122"/>
                 <a:ea typeface="微软雅黑 Light" pitchFamily="34" charset="-122"/>
               </a:rPr>
               <a:t>  Solidity</a:t>
             </a:r>
             <a:r>
-              <a:rPr lang="zh-CN" altLang="en-US" dirty="0" smtClean="0">
+              <a:rPr lang="zh-CN" altLang="en-US" sz="3600" dirty="0" smtClean="0">
                 <a:latin typeface="微软雅黑 Light" pitchFamily="34" charset="-122"/>
                 <a:ea typeface="微软雅黑 Light" pitchFamily="34" charset="-122"/>
               </a:rPr>
               <a:t>函数</a:t>
             </a:r>
             <a:r>
-              <a:rPr lang="zh-CN" altLang="en-US" dirty="0">
+              <a:rPr lang="zh-CN" altLang="en-US" sz="3600" dirty="0">
                 <a:latin typeface="微软雅黑 Light" pitchFamily="34" charset="-122"/>
                 <a:ea typeface="微软雅黑 Light" pitchFamily="34" charset="-122"/>
               </a:rPr>
@@ -11605,8 +11772,8 @@
         </p:nvSpPr>
         <p:spPr>
           <a:xfrm>
-            <a:off x="539552" y="836712"/>
-            <a:ext cx="8363272" cy="5616624"/>
+            <a:off x="313184" y="1052736"/>
+            <a:ext cx="8363272" cy="5805264"/>
           </a:xfrm>
         </p:spPr>
         <p:txBody>
@@ -11617,7 +11784,7 @@
           <a:p>
             <a:pPr marL="360000" indent="0" latinLnBrk="1">
               <a:lnSpc>
-                <a:spcPct val="112000"/>
+                <a:spcPct val="107000"/>
               </a:lnSpc>
               <a:buNone/>
             </a:pPr>
@@ -11634,7 +11801,7 @@
           <a:p>
             <a:pPr marL="360000" indent="0" latinLnBrk="1">
               <a:lnSpc>
-                <a:spcPct val="112000"/>
+                <a:spcPct val="107000"/>
               </a:lnSpc>
               <a:buNone/>
             </a:pPr>
@@ -11655,7 +11822,7 @@
           <a:p>
             <a:pPr marL="360000" indent="0" latinLnBrk="1">
               <a:lnSpc>
-                <a:spcPct val="112000"/>
+                <a:spcPct val="107000"/>
               </a:lnSpc>
               <a:buNone/>
             </a:pPr>
@@ -11720,7 +11887,7 @@
           <a:p>
             <a:pPr marL="360000" indent="0" latinLnBrk="1">
               <a:lnSpc>
-                <a:spcPct val="112000"/>
+                <a:spcPct val="107000"/>
               </a:lnSpc>
               <a:buNone/>
             </a:pPr>
@@ -11745,7 +11912,7 @@
           <a:p>
             <a:pPr marL="360000" indent="0" latinLnBrk="1">
               <a:lnSpc>
-                <a:spcPct val="112000"/>
+                <a:spcPct val="107000"/>
               </a:lnSpc>
               <a:buNone/>
             </a:pPr>
@@ -11761,7 +11928,7 @@
           <a:p>
             <a:pPr marL="360000" indent="0" latinLnBrk="1">
               <a:lnSpc>
-                <a:spcPct val="112000"/>
+                <a:spcPct val="107000"/>
               </a:lnSpc>
               <a:buNone/>
             </a:pPr>
@@ -11802,7 +11969,7 @@
           <a:p>
             <a:pPr marL="360000" indent="0" latinLnBrk="1">
               <a:lnSpc>
-                <a:spcPct val="112000"/>
+                <a:spcPct val="107000"/>
               </a:lnSpc>
               <a:buNone/>
             </a:pPr>
@@ -11823,7 +11990,7 @@
           <a:p>
             <a:pPr marL="360000" indent="0" latinLnBrk="1">
               <a:lnSpc>
-                <a:spcPct val="112000"/>
+                <a:spcPct val="107000"/>
               </a:lnSpc>
               <a:buNone/>
             </a:pPr>
@@ -11839,7 +12006,7 @@
           <a:p>
             <a:pPr marL="360000" indent="0" latinLnBrk="1">
               <a:lnSpc>
-                <a:spcPct val="112000"/>
+                <a:spcPct val="107000"/>
               </a:lnSpc>
               <a:buNone/>
             </a:pPr>
@@ -11868,7 +12035,7 @@
           <a:p>
             <a:pPr marL="360000" indent="0" latinLnBrk="1">
               <a:lnSpc>
-                <a:spcPct val="112000"/>
+                <a:spcPct val="107000"/>
               </a:lnSpc>
               <a:buNone/>
             </a:pPr>
@@ -11897,7 +12064,7 @@
           <a:p>
             <a:pPr marL="360000" indent="0" latinLnBrk="1">
               <a:lnSpc>
-                <a:spcPct val="112000"/>
+                <a:spcPct val="107000"/>
               </a:lnSpc>
               <a:buNone/>
             </a:pPr>
@@ -11930,7 +12097,7 @@
           <a:p>
             <a:pPr marL="360000" indent="0" latinLnBrk="1">
               <a:lnSpc>
-                <a:spcPct val="112000"/>
+                <a:spcPct val="107000"/>
               </a:lnSpc>
               <a:buNone/>
             </a:pPr>
@@ -11979,7 +12146,7 @@
           <a:p>
             <a:pPr marL="360000" indent="0" latinLnBrk="1">
               <a:lnSpc>
-                <a:spcPct val="112000"/>
+                <a:spcPct val="107000"/>
               </a:lnSpc>
               <a:buNone/>
             </a:pPr>
@@ -12003,7 +12170,7 @@
           <a:p>
             <a:pPr marL="360000" indent="0" latinLnBrk="1">
               <a:lnSpc>
-                <a:spcPct val="112000"/>
+                <a:spcPct val="107000"/>
               </a:lnSpc>
               <a:buNone/>
             </a:pPr>
@@ -12019,7 +12186,7 @@
           <a:p>
             <a:pPr marL="360000" indent="0" latinLnBrk="1">
               <a:lnSpc>
-                <a:spcPct val="112000"/>
+                <a:spcPct val="107000"/>
               </a:lnSpc>
               <a:buNone/>
             </a:pPr>
@@ -12043,7 +12210,7 @@
         </p:nvSpPr>
         <p:spPr>
           <a:xfrm>
-            <a:off x="457200" y="-27384"/>
+            <a:off x="457200" y="413792"/>
             <a:ext cx="8229600" cy="926976"/>
           </a:xfrm>
         </p:spPr>
@@ -12055,13 +12222,13 @@
           <a:p>
             <a:pPr algn="l"/>
             <a:r>
-              <a:rPr lang="zh-CN" altLang="en-US" sz="4000" dirty="0" smtClean="0">
+              <a:rPr lang="zh-CN" altLang="en-US" sz="2800" dirty="0" smtClean="0">
                 <a:latin typeface="微软雅黑 Light" pitchFamily="34" charset="-122"/>
                 <a:ea typeface="微软雅黑 Light" pitchFamily="34" charset="-122"/>
               </a:rPr>
               <a:t>  函数可见性示例</a:t>
             </a:r>
-            <a:endParaRPr lang="zh-CN" altLang="en-US" sz="4000" dirty="0">
+            <a:endParaRPr lang="zh-CN" altLang="en-US" sz="2800" dirty="0">
               <a:latin typeface="微软雅黑 Light" pitchFamily="34" charset="-122"/>
               <a:ea typeface="微软雅黑 Light" pitchFamily="34" charset="-122"/>
             </a:endParaRPr>
@@ -12117,8 +12284,8 @@
         </p:nvSpPr>
         <p:spPr>
           <a:xfrm>
-            <a:off x="467544" y="260648"/>
-            <a:ext cx="8363272" cy="6408712"/>
+            <a:off x="601216" y="620688"/>
+            <a:ext cx="8363272" cy="6237312"/>
           </a:xfrm>
         </p:spPr>
         <p:txBody>
@@ -12129,7 +12296,7 @@
           <a:p>
             <a:pPr marL="0" indent="0" latinLnBrk="1">
               <a:lnSpc>
-                <a:spcPct val="90000"/>
+                <a:spcPct val="85000"/>
               </a:lnSpc>
               <a:buNone/>
             </a:pPr>
@@ -12150,7 +12317,7 @@
           <a:p>
             <a:pPr marL="0" indent="0" latinLnBrk="1">
               <a:lnSpc>
-                <a:spcPct val="90000"/>
+                <a:spcPct val="85000"/>
               </a:lnSpc>
               <a:buNone/>
             </a:pPr>
@@ -12171,7 +12338,7 @@
           <a:p>
             <a:pPr marL="0" indent="0" latinLnBrk="1">
               <a:lnSpc>
-                <a:spcPct val="90000"/>
+                <a:spcPct val="85000"/>
               </a:lnSpc>
               <a:buNone/>
             </a:pPr>
@@ -12192,7 +12359,7 @@
           <a:p>
             <a:pPr marL="0" indent="0" latinLnBrk="1">
               <a:lnSpc>
-                <a:spcPct val="90000"/>
+                <a:spcPct val="85000"/>
               </a:lnSpc>
               <a:buNone/>
             </a:pPr>
@@ -12221,7 +12388,7 @@
           <a:p>
             <a:pPr marL="0" indent="0" latinLnBrk="1">
               <a:lnSpc>
-                <a:spcPct val="90000"/>
+                <a:spcPct val="85000"/>
               </a:lnSpc>
               <a:buNone/>
             </a:pPr>
@@ -12286,7 +12453,7 @@
           <a:p>
             <a:pPr marL="0" indent="0" latinLnBrk="1">
               <a:lnSpc>
-                <a:spcPct val="90000"/>
+                <a:spcPct val="85000"/>
               </a:lnSpc>
               <a:buNone/>
             </a:pPr>
@@ -12327,7 +12494,7 @@
           <a:p>
             <a:pPr marL="0" indent="0" latinLnBrk="1">
               <a:lnSpc>
-                <a:spcPct val="90000"/>
+                <a:spcPct val="85000"/>
               </a:lnSpc>
               <a:buNone/>
             </a:pPr>
@@ -12384,7 +12551,7 @@
           <a:p>
             <a:pPr marL="0" indent="0" latinLnBrk="1">
               <a:lnSpc>
-                <a:spcPct val="90000"/>
+                <a:spcPct val="85000"/>
               </a:lnSpc>
               <a:buNone/>
             </a:pPr>
@@ -12457,7 +12624,7 @@
           <a:p>
             <a:pPr marL="0" indent="0" latinLnBrk="1">
               <a:lnSpc>
-                <a:spcPct val="90000"/>
+                <a:spcPct val="85000"/>
               </a:lnSpc>
               <a:buNone/>
             </a:pPr>
@@ -12469,7 +12636,7 @@
           <a:p>
             <a:pPr marL="0" indent="0" latinLnBrk="1">
               <a:lnSpc>
-                <a:spcPct val="90000"/>
+                <a:spcPct val="85000"/>
               </a:lnSpc>
               <a:buNone/>
             </a:pPr>
@@ -12490,7 +12657,7 @@
           <a:p>
             <a:pPr marL="0" indent="0" latinLnBrk="1">
               <a:lnSpc>
-                <a:spcPct val="90000"/>
+                <a:spcPct val="85000"/>
               </a:lnSpc>
               <a:buNone/>
             </a:pPr>
@@ -12523,7 +12690,7 @@
           <a:p>
             <a:pPr marL="0" indent="0" latinLnBrk="1">
               <a:lnSpc>
-                <a:spcPct val="90000"/>
+                <a:spcPct val="85000"/>
               </a:lnSpc>
               <a:buNone/>
             </a:pPr>
@@ -12552,7 +12719,7 @@
           <a:p>
             <a:pPr marL="0" indent="0" latinLnBrk="1">
               <a:lnSpc>
-                <a:spcPct val="90000"/>
+                <a:spcPct val="85000"/>
               </a:lnSpc>
               <a:buNone/>
             </a:pPr>
@@ -12601,7 +12768,7 @@
           <a:p>
             <a:pPr marL="0" indent="0" latinLnBrk="1">
               <a:lnSpc>
-                <a:spcPct val="90000"/>
+                <a:spcPct val="85000"/>
               </a:lnSpc>
               <a:buNone/>
             </a:pPr>
@@ -12617,7 +12784,7 @@
           <a:p>
             <a:pPr marL="0" indent="0" latinLnBrk="1">
               <a:lnSpc>
-                <a:spcPct val="90000"/>
+                <a:spcPct val="85000"/>
               </a:lnSpc>
               <a:buNone/>
             </a:pPr>
@@ -12638,7 +12805,7 @@
           <a:p>
             <a:pPr marL="0" indent="0" latinLnBrk="1">
               <a:lnSpc>
-                <a:spcPct val="90000"/>
+                <a:spcPct val="85000"/>
               </a:lnSpc>
               <a:buNone/>
             </a:pPr>
@@ -12679,7 +12846,7 @@
           <a:p>
             <a:pPr marL="0" indent="0" latinLnBrk="1">
               <a:lnSpc>
-                <a:spcPct val="90000"/>
+                <a:spcPct val="85000"/>
               </a:lnSpc>
               <a:buNone/>
             </a:pPr>
@@ -12700,7 +12867,7 @@
           <a:p>
             <a:pPr marL="0" indent="0" latinLnBrk="1">
               <a:lnSpc>
-                <a:spcPct val="90000"/>
+                <a:spcPct val="85000"/>
               </a:lnSpc>
               <a:buNone/>
             </a:pPr>
@@ -12717,7 +12884,7 @@
           <a:p>
             <a:pPr marL="0" indent="0" latinLnBrk="1">
               <a:lnSpc>
-                <a:spcPct val="90000"/>
+                <a:spcPct val="85000"/>
               </a:lnSpc>
               <a:buNone/>
             </a:pPr>
@@ -12746,7 +12913,7 @@
           <a:p>
             <a:pPr marL="0" indent="0" latinLnBrk="1">
               <a:lnSpc>
-                <a:spcPct val="90000"/>
+                <a:spcPct val="85000"/>
               </a:lnSpc>
               <a:buNone/>
             </a:pPr>
@@ -12779,7 +12946,7 @@
           <a:p>
             <a:pPr marL="0" indent="0" latinLnBrk="1">
               <a:lnSpc>
-                <a:spcPct val="90000"/>
+                <a:spcPct val="85000"/>
               </a:lnSpc>
               <a:buNone/>
             </a:pPr>
@@ -12808,7 +12975,7 @@
           <a:p>
             <a:pPr marL="0" indent="0" latinLnBrk="1">
               <a:lnSpc>
-                <a:spcPct val="90000"/>
+                <a:spcPct val="85000"/>
               </a:lnSpc>
               <a:buNone/>
             </a:pPr>
@@ -12853,7 +13020,7 @@
           <a:p>
             <a:pPr marL="0" indent="0" latinLnBrk="1">
               <a:lnSpc>
-                <a:spcPct val="90000"/>
+                <a:spcPct val="85000"/>
               </a:lnSpc>
               <a:buNone/>
             </a:pPr>
@@ -12874,7 +13041,7 @@
           <a:p>
             <a:pPr marL="0" indent="0" latinLnBrk="1">
               <a:lnSpc>
-                <a:spcPct val="90000"/>
+                <a:spcPct val="85000"/>
               </a:lnSpc>
               <a:buNone/>
             </a:pPr>
@@ -12935,30 +13102,32 @@
         </p:nvSpPr>
         <p:spPr>
           <a:xfrm>
-            <a:off x="457200" y="188640"/>
+            <a:off x="457200" y="413792"/>
             <a:ext cx="8229600" cy="1143000"/>
           </a:xfrm>
         </p:spPr>
         <p:txBody>
-          <a:bodyPr/>
+          <a:bodyPr>
+            <a:normAutofit/>
+          </a:bodyPr>
           <a:lstStyle/>
           <a:p>
             <a:pPr algn="l"/>
             <a:r>
-              <a:rPr lang="en-US" altLang="zh-CN" dirty="0" smtClean="0">
+              <a:rPr lang="en-US" altLang="zh-CN" sz="3600" dirty="0" smtClean="0">
                 <a:latin typeface="微软雅黑 Light" pitchFamily="34" charset="-122"/>
                 <a:ea typeface="微软雅黑 Light" pitchFamily="34" charset="-122"/>
               </a:rPr>
               <a:t>  Solidity</a:t>
             </a:r>
             <a:r>
-              <a:rPr lang="zh-CN" altLang="en-US" dirty="0" smtClean="0">
+              <a:rPr lang="zh-CN" altLang="en-US" sz="3600" dirty="0" smtClean="0">
                 <a:latin typeface="微软雅黑 Light" pitchFamily="34" charset="-122"/>
                 <a:ea typeface="微软雅黑 Light" pitchFamily="34" charset="-122"/>
               </a:rPr>
               <a:t>函数状态可变性</a:t>
             </a:r>
-            <a:endParaRPr lang="zh-CN" altLang="en-US" dirty="0">
+            <a:endParaRPr lang="zh-CN" altLang="en-US" sz="3600" dirty="0">
               <a:latin typeface="微软雅黑 Light" pitchFamily="34" charset="-122"/>
               <a:ea typeface="微软雅黑 Light" pitchFamily="34" charset="-122"/>
             </a:endParaRPr>
@@ -13180,30 +13349,32 @@
         </p:nvSpPr>
         <p:spPr>
           <a:xfrm>
-            <a:off x="457200" y="188640"/>
+            <a:off x="457200" y="413792"/>
             <a:ext cx="8229600" cy="1143000"/>
           </a:xfrm>
         </p:spPr>
         <p:txBody>
-          <a:bodyPr/>
+          <a:bodyPr>
+            <a:normAutofit/>
+          </a:bodyPr>
           <a:lstStyle/>
           <a:p>
             <a:pPr algn="l"/>
             <a:r>
-              <a:rPr lang="en-US" altLang="zh-CN" dirty="0" smtClean="0">
+              <a:rPr lang="en-US" altLang="zh-CN" sz="3600" dirty="0" smtClean="0">
                 <a:latin typeface="微软雅黑 Light" pitchFamily="34" charset="-122"/>
                 <a:ea typeface="微软雅黑 Light" pitchFamily="34" charset="-122"/>
               </a:rPr>
               <a:t>  Solidity</a:t>
             </a:r>
             <a:r>
-              <a:rPr lang="zh-CN" altLang="en-US" dirty="0" smtClean="0">
+              <a:rPr lang="zh-CN" altLang="en-US" sz="3600" dirty="0" smtClean="0">
                 <a:latin typeface="微软雅黑 Light" pitchFamily="34" charset="-122"/>
                 <a:ea typeface="微软雅黑 Light" pitchFamily="34" charset="-122"/>
               </a:rPr>
               <a:t>函数状态可变性</a:t>
             </a:r>
-            <a:endParaRPr lang="zh-CN" altLang="en-US" dirty="0">
+            <a:endParaRPr lang="zh-CN" altLang="en-US" sz="3600" dirty="0">
               <a:latin typeface="微软雅黑 Light" pitchFamily="34" charset="-122"/>
               <a:ea typeface="微软雅黑 Light" pitchFamily="34" charset="-122"/>
             </a:endParaRPr>
@@ -13410,30 +13581,32 @@
         </p:nvSpPr>
         <p:spPr>
           <a:xfrm>
-            <a:off x="457200" y="188640"/>
+            <a:off x="457200" y="413792"/>
             <a:ext cx="8229600" cy="1143000"/>
           </a:xfrm>
         </p:spPr>
         <p:txBody>
-          <a:bodyPr/>
+          <a:bodyPr>
+            <a:normAutofit/>
+          </a:bodyPr>
           <a:lstStyle/>
           <a:p>
             <a:pPr algn="l"/>
             <a:r>
-              <a:rPr lang="en-US" altLang="zh-CN" dirty="0" smtClean="0">
+              <a:rPr lang="en-US" altLang="zh-CN" sz="3600" dirty="0" smtClean="0">
                 <a:latin typeface="微软雅黑 Light" pitchFamily="34" charset="-122"/>
                 <a:ea typeface="微软雅黑 Light" pitchFamily="34" charset="-122"/>
               </a:rPr>
               <a:t>  Solidity</a:t>
             </a:r>
             <a:r>
-              <a:rPr lang="zh-CN" altLang="en-US" dirty="0" smtClean="0">
+              <a:rPr lang="zh-CN" altLang="en-US" sz="3600" dirty="0" smtClean="0">
                 <a:latin typeface="微软雅黑 Light" pitchFamily="34" charset="-122"/>
                 <a:ea typeface="微软雅黑 Light" pitchFamily="34" charset="-122"/>
               </a:rPr>
               <a:t>函数状态可变性</a:t>
             </a:r>
-            <a:endParaRPr lang="zh-CN" altLang="en-US" dirty="0">
+            <a:endParaRPr lang="zh-CN" altLang="en-US" sz="3600" dirty="0">
               <a:latin typeface="微软雅黑 Light" pitchFamily="34" charset="-122"/>
               <a:ea typeface="微软雅黑 Light" pitchFamily="34" charset="-122"/>
             </a:endParaRPr>
@@ -13659,44 +13832,46 @@
         </p:nvSpPr>
         <p:spPr>
           <a:xfrm>
-            <a:off x="457200" y="188640"/>
+            <a:off x="457200" y="413792"/>
             <a:ext cx="8229600" cy="1143000"/>
           </a:xfrm>
         </p:spPr>
         <p:txBody>
-          <a:bodyPr/>
+          <a:bodyPr>
+            <a:normAutofit/>
+          </a:bodyPr>
           <a:lstStyle/>
           <a:p>
             <a:pPr algn="l"/>
             <a:r>
-              <a:rPr lang="zh-CN" altLang="en-US" dirty="0" smtClean="0">
+              <a:rPr lang="zh-CN" altLang="en-US" sz="3600" dirty="0" smtClean="0">
                 <a:latin typeface="微软雅黑 Light" pitchFamily="34" charset="-122"/>
                 <a:ea typeface="微软雅黑 Light" pitchFamily="34" charset="-122"/>
               </a:rPr>
               <a:t>  函数修饰器（</a:t>
             </a:r>
             <a:r>
-              <a:rPr lang="en-US" altLang="zh-CN" dirty="0">
+              <a:rPr lang="en-US" altLang="zh-CN" sz="3600" dirty="0">
                 <a:latin typeface="微软雅黑 Light" pitchFamily="34" charset="-122"/>
                 <a:ea typeface="微软雅黑 Light" pitchFamily="34" charset="-122"/>
               </a:rPr>
               <a:t>m</a:t>
             </a:r>
             <a:r>
-              <a:rPr lang="en-US" altLang="zh-CN" dirty="0" smtClean="0">
+              <a:rPr lang="en-US" altLang="zh-CN" sz="3600" dirty="0" smtClean="0">
                 <a:latin typeface="微软雅黑 Light" pitchFamily="34" charset="-122"/>
                 <a:ea typeface="微软雅黑 Light" pitchFamily="34" charset="-122"/>
               </a:rPr>
               <a:t>odifier</a:t>
             </a:r>
             <a:r>
-              <a:rPr lang="zh-CN" altLang="en-US" dirty="0" smtClean="0">
+              <a:rPr lang="zh-CN" altLang="en-US" sz="3600" dirty="0" smtClean="0">
                 <a:latin typeface="微软雅黑 Light" pitchFamily="34" charset="-122"/>
                 <a:ea typeface="微软雅黑 Light" pitchFamily="34" charset="-122"/>
               </a:rPr>
               <a:t>）</a:t>
             </a:r>
-            <a:endParaRPr lang="zh-CN" altLang="en-US" dirty="0">
+            <a:endParaRPr lang="zh-CN" altLang="en-US" sz="3600" dirty="0">
               <a:latin typeface="微软雅黑 Light" pitchFamily="34" charset="-122"/>
               <a:ea typeface="微软雅黑 Light" pitchFamily="34" charset="-122"/>
             </a:endParaRPr>
@@ -13832,41 +14007,48 @@
             <p:ph type="title"/>
           </p:nvPr>
         </p:nvSpPr>
-        <p:spPr/>
-        <p:txBody>
-          <a:bodyPr/>
+        <p:spPr>
+          <a:xfrm>
+            <a:off x="518864" y="485800"/>
+            <a:ext cx="8229600" cy="1143000"/>
+          </a:xfrm>
+        </p:spPr>
+        <p:txBody>
+          <a:bodyPr>
+            <a:normAutofit/>
+          </a:bodyPr>
           <a:lstStyle/>
           <a:p>
             <a:pPr algn="l"/>
             <a:r>
-              <a:rPr lang="zh-CN" altLang="en-US" dirty="0">
+              <a:rPr lang="zh-CN" altLang="en-US" sz="3600" dirty="0">
                 <a:latin typeface="微软雅黑 Light" pitchFamily="34" charset="-122"/>
                 <a:ea typeface="微软雅黑 Light" pitchFamily="34" charset="-122"/>
               </a:rPr>
               <a:t> </a:t>
             </a:r>
             <a:r>
-              <a:rPr lang="zh-CN" altLang="en-US" dirty="0" smtClean="0">
+              <a:rPr lang="zh-CN" altLang="en-US" sz="3600" dirty="0" smtClean="0">
                 <a:latin typeface="微软雅黑 Light" pitchFamily="34" charset="-122"/>
                 <a:ea typeface="微软雅黑 Light" pitchFamily="34" charset="-122"/>
               </a:rPr>
               <a:t> </a:t>
             </a:r>
             <a:r>
-              <a:rPr lang="en-US" altLang="zh-CN" dirty="0" smtClean="0">
+              <a:rPr lang="en-US" altLang="zh-CN" sz="3600" dirty="0" smtClean="0">
                 <a:latin typeface="微软雅黑 Light" pitchFamily="34" charset="-122"/>
                 <a:ea typeface="微软雅黑 Light" pitchFamily="34" charset="-122"/>
               </a:rPr>
               <a:t>Modifier</a:t>
             </a:r>
             <a:r>
-              <a:rPr lang="zh-CN" altLang="en-US" dirty="0" smtClean="0">
+              <a:rPr lang="zh-CN" altLang="en-US" sz="3600" dirty="0" smtClean="0">
                 <a:latin typeface="微软雅黑 Light" pitchFamily="34" charset="-122"/>
                 <a:ea typeface="微软雅黑 Light" pitchFamily="34" charset="-122"/>
               </a:rPr>
               <a:t>示例</a:t>
             </a:r>
-            <a:endParaRPr lang="zh-CN" altLang="en-US" dirty="0"/>
+            <a:endParaRPr lang="zh-CN" altLang="en-US" sz="3600" dirty="0"/>
           </a:p>
         </p:txBody>
       </p:sp>
@@ -14231,37 +14413,39 @@
         </p:nvSpPr>
         <p:spPr>
           <a:xfrm>
-            <a:off x="457200" y="188640"/>
+            <a:off x="457200" y="413792"/>
             <a:ext cx="8229600" cy="1143000"/>
           </a:xfrm>
         </p:spPr>
         <p:txBody>
-          <a:bodyPr/>
+          <a:bodyPr>
+            <a:normAutofit/>
+          </a:bodyPr>
           <a:lstStyle/>
           <a:p>
             <a:pPr algn="l"/>
             <a:r>
-              <a:rPr lang="en-US" altLang="zh-CN" dirty="0" smtClean="0">
+              <a:rPr lang="en-US" altLang="zh-CN" sz="3600" dirty="0" smtClean="0">
                 <a:latin typeface="微软雅黑 Light" pitchFamily="34" charset="-122"/>
                 <a:ea typeface="微软雅黑 Light" pitchFamily="34" charset="-122"/>
               </a:rPr>
               <a:t>  Solidity</a:t>
             </a:r>
             <a:r>
-              <a:rPr lang="zh-CN" altLang="en-US" dirty="0" smtClean="0">
+              <a:rPr lang="zh-CN" altLang="en-US" sz="3600" dirty="0" smtClean="0">
                 <a:latin typeface="微软雅黑 Light" pitchFamily="34" charset="-122"/>
                 <a:ea typeface="微软雅黑 Light" pitchFamily="34" charset="-122"/>
               </a:rPr>
               <a:t>源文件布局</a:t>
             </a:r>
             <a:r>
-              <a:rPr lang="en-US" altLang="zh-CN" dirty="0" smtClean="0">
+              <a:rPr lang="en-US" altLang="zh-CN" sz="3600" dirty="0" smtClean="0">
                 <a:latin typeface="微软雅黑 Light" pitchFamily="34" charset="-122"/>
                 <a:ea typeface="微软雅黑 Light" pitchFamily="34" charset="-122"/>
               </a:rPr>
               <a:t>-- import</a:t>
             </a:r>
-            <a:endParaRPr lang="zh-CN" altLang="en-US" dirty="0">
+            <a:endParaRPr lang="zh-CN" altLang="en-US" sz="3600" dirty="0">
               <a:latin typeface="微软雅黑 Light" pitchFamily="34" charset="-122"/>
               <a:ea typeface="微软雅黑 Light" pitchFamily="34" charset="-122"/>
             </a:endParaRPr>
@@ -14583,37 +14767,39 @@
         </p:nvSpPr>
         <p:spPr>
           <a:xfrm>
-            <a:off x="457200" y="188640"/>
+            <a:off x="457200" y="413792"/>
             <a:ext cx="8229600" cy="1143000"/>
           </a:xfrm>
         </p:spPr>
         <p:txBody>
-          <a:bodyPr/>
+          <a:bodyPr>
+            <a:normAutofit/>
+          </a:bodyPr>
           <a:lstStyle/>
           <a:p>
             <a:pPr algn="l"/>
             <a:r>
-              <a:rPr lang="zh-CN" altLang="en-US" dirty="0" smtClean="0">
+              <a:rPr lang="zh-CN" altLang="en-US" sz="3600" dirty="0" smtClean="0">
                 <a:latin typeface="微软雅黑 Light" pitchFamily="34" charset="-122"/>
                 <a:ea typeface="微软雅黑 Light" pitchFamily="34" charset="-122"/>
               </a:rPr>
               <a:t>  回退函数（</a:t>
             </a:r>
             <a:r>
-              <a:rPr lang="en-US" altLang="zh-CN" dirty="0">
+              <a:rPr lang="en-US" altLang="zh-CN" sz="3600" dirty="0">
                 <a:latin typeface="微软雅黑 Light" pitchFamily="34" charset="-122"/>
                 <a:ea typeface="微软雅黑 Light" pitchFamily="34" charset="-122"/>
               </a:rPr>
               <a:t>fallback</a:t>
             </a:r>
             <a:r>
-              <a:rPr lang="zh-CN" altLang="en-US" dirty="0" smtClean="0">
+              <a:rPr lang="zh-CN" altLang="en-US" sz="3600" dirty="0" smtClean="0">
                 <a:latin typeface="微软雅黑 Light" pitchFamily="34" charset="-122"/>
                 <a:ea typeface="微软雅黑 Light" pitchFamily="34" charset="-122"/>
               </a:rPr>
               <a:t>）</a:t>
             </a:r>
-            <a:endParaRPr lang="zh-CN" altLang="en-US" dirty="0">
+            <a:endParaRPr lang="zh-CN" altLang="en-US" sz="3600" dirty="0">
               <a:latin typeface="微软雅黑 Light" pitchFamily="34" charset="-122"/>
               <a:ea typeface="微软雅黑 Light" pitchFamily="34" charset="-122"/>
             </a:endParaRPr>
@@ -14856,8 +15042,8 @@
         </p:nvSpPr>
         <p:spPr>
           <a:xfrm>
-            <a:off x="432048" y="144016"/>
-            <a:ext cx="8748464" cy="6597352"/>
+            <a:off x="504056" y="548680"/>
+            <a:ext cx="8244408" cy="6021288"/>
           </a:xfrm>
         </p:spPr>
         <p:txBody>
@@ -14873,14 +15059,14 @@
               <a:buNone/>
             </a:pPr>
             <a:r>
-              <a:rPr lang="en-US" altLang="zh-CN" sz="2000" b="1" dirty="0"/>
+              <a:rPr lang="en-US" altLang="zh-CN" sz="1800" b="1" dirty="0"/>
               <a:t>pragma</a:t>
             </a:r>
             <a:r>
-              <a:rPr lang="en-US" altLang="zh-CN" sz="2000" dirty="0"/>
+              <a:rPr lang="en-US" altLang="zh-CN" sz="1800" dirty="0"/>
               <a:t> solidity &gt;0.4.99 &lt;0.6.0; </a:t>
             </a:r>
-            <a:endParaRPr lang="en-US" altLang="zh-CN" sz="2000" dirty="0" smtClean="0"/>
+            <a:endParaRPr lang="en-US" altLang="zh-CN" sz="1800" dirty="0" smtClean="0"/>
           </a:p>
           <a:p>
             <a:pPr marL="0" indent="0">
@@ -14890,11 +15076,11 @@
               <a:buNone/>
             </a:pPr>
             <a:r>
-              <a:rPr lang="en-US" altLang="zh-CN" sz="2000" b="1" dirty="0"/>
+              <a:rPr lang="en-US" altLang="zh-CN" sz="1800" b="1" dirty="0"/>
               <a:t>contract</a:t>
             </a:r>
             <a:r>
-              <a:rPr lang="en-US" altLang="zh-CN" sz="2000" dirty="0"/>
+              <a:rPr lang="en-US" altLang="zh-CN" sz="1800" dirty="0"/>
               <a:t> Sink { </a:t>
             </a:r>
           </a:p>
@@ -14906,23 +15092,23 @@
               <a:buNone/>
             </a:pPr>
             <a:r>
-              <a:rPr lang="en-US" altLang="zh-CN" sz="2000" b="1" dirty="0"/>
+              <a:rPr lang="en-US" altLang="zh-CN" sz="1800" b="1" dirty="0"/>
               <a:t>	function</a:t>
             </a:r>
             <a:r>
-              <a:rPr lang="en-US" altLang="zh-CN" sz="2000" dirty="0"/>
+              <a:rPr lang="en-US" altLang="zh-CN" sz="1800" dirty="0"/>
               <a:t>() </a:t>
             </a:r>
             <a:r>
-              <a:rPr lang="en-US" altLang="zh-CN" sz="2000" b="1" dirty="0" smtClean="0"/>
+              <a:rPr lang="en-US" altLang="zh-CN" sz="1800" b="1" dirty="0" smtClean="0"/>
               <a:t>external payable</a:t>
             </a:r>
             <a:r>
-              <a:rPr lang="en-US" altLang="zh-CN" sz="2000" dirty="0" smtClean="0"/>
+              <a:rPr lang="en-US" altLang="zh-CN" sz="1800" dirty="0" smtClean="0"/>
               <a:t> </a:t>
             </a:r>
             <a:r>
-              <a:rPr lang="en-US" altLang="zh-CN" sz="2000" dirty="0"/>
+              <a:rPr lang="en-US" altLang="zh-CN" sz="1800" dirty="0"/>
               <a:t>{ } </a:t>
             </a:r>
           </a:p>
@@ -14934,10 +15120,10 @@
               <a:buNone/>
             </a:pPr>
             <a:r>
-              <a:rPr lang="en-US" altLang="zh-CN" sz="2000" dirty="0"/>
+              <a:rPr lang="en-US" altLang="zh-CN" sz="1800" dirty="0"/>
               <a:t>} </a:t>
             </a:r>
-            <a:endParaRPr lang="en-US" altLang="zh-CN" sz="2000" b="1" dirty="0" smtClean="0"/>
+            <a:endParaRPr lang="en-US" altLang="zh-CN" sz="1800" b="1" dirty="0" smtClean="0"/>
           </a:p>
           <a:p>
             <a:pPr marL="0" indent="0">
@@ -14947,18 +15133,18 @@
               <a:buNone/>
             </a:pPr>
             <a:r>
-              <a:rPr lang="en-US" altLang="zh-CN" sz="2000" b="1" dirty="0" smtClean="0"/>
+              <a:rPr lang="en-US" altLang="zh-CN" sz="1800" b="1" dirty="0" smtClean="0"/>
               <a:t>contract</a:t>
             </a:r>
             <a:r>
-              <a:rPr lang="en-US" altLang="zh-CN" sz="2000" dirty="0" smtClean="0"/>
+              <a:rPr lang="en-US" altLang="zh-CN" sz="1800" dirty="0" smtClean="0"/>
               <a:t> </a:t>
             </a:r>
             <a:r>
-              <a:rPr lang="en-US" altLang="zh-CN" sz="2000" dirty="0"/>
+              <a:rPr lang="en-US" altLang="zh-CN" sz="1800" dirty="0"/>
               <a:t>Test { </a:t>
             </a:r>
-            <a:endParaRPr lang="en-US" altLang="zh-CN" sz="2000" dirty="0" smtClean="0"/>
+            <a:endParaRPr lang="en-US" altLang="zh-CN" sz="1800" dirty="0" smtClean="0"/>
           </a:p>
           <a:p>
             <a:pPr marL="0" indent="0">
@@ -14968,30 +15154,30 @@
               <a:buNone/>
             </a:pPr>
             <a:r>
-              <a:rPr lang="en-US" altLang="zh-CN" sz="2000" b="1" dirty="0"/>
+              <a:rPr lang="en-US" altLang="zh-CN" sz="1800" b="1" dirty="0"/>
               <a:t>	</a:t>
             </a:r>
             <a:r>
-              <a:rPr lang="en-US" altLang="zh-CN" sz="2000" b="1" dirty="0" smtClean="0"/>
+              <a:rPr lang="en-US" altLang="zh-CN" sz="1800" b="1" dirty="0" smtClean="0"/>
               <a:t>function</a:t>
             </a:r>
             <a:r>
-              <a:rPr lang="en-US" altLang="zh-CN" sz="2000" dirty="0"/>
+              <a:rPr lang="en-US" altLang="zh-CN" sz="1800" dirty="0"/>
               <a:t>() </a:t>
             </a:r>
             <a:r>
-              <a:rPr lang="en-US" altLang="zh-CN" sz="2000" b="1" dirty="0" smtClean="0"/>
+              <a:rPr lang="en-US" altLang="zh-CN" sz="1800" b="1" dirty="0" smtClean="0"/>
               <a:t>external </a:t>
             </a:r>
             <a:r>
-              <a:rPr lang="en-US" altLang="zh-CN" sz="2000" dirty="0" smtClean="0"/>
+              <a:rPr lang="en-US" altLang="zh-CN" sz="1800" dirty="0" smtClean="0"/>
               <a:t>{ </a:t>
             </a:r>
             <a:r>
-              <a:rPr lang="en-US" altLang="zh-CN" sz="2000" dirty="0"/>
+              <a:rPr lang="en-US" altLang="zh-CN" sz="1800" dirty="0"/>
               <a:t>x = 1; } </a:t>
             </a:r>
-            <a:endParaRPr lang="en-US" altLang="zh-CN" sz="2000" dirty="0" smtClean="0"/>
+            <a:endParaRPr lang="en-US" altLang="zh-CN" sz="1800" dirty="0" smtClean="0"/>
           </a:p>
           <a:p>
             <a:pPr marL="0" indent="0">
@@ -15001,22 +15187,22 @@
               <a:buNone/>
             </a:pPr>
             <a:r>
-              <a:rPr lang="en-US" altLang="zh-CN" sz="2000" dirty="0"/>
+              <a:rPr lang="en-US" altLang="zh-CN" sz="1800" dirty="0"/>
               <a:t>	</a:t>
             </a:r>
             <a:r>
-              <a:rPr lang="en-US" altLang="zh-CN" sz="2000" i="1" dirty="0" smtClean="0"/>
+              <a:rPr lang="en-US" altLang="zh-CN" sz="1800" i="1" dirty="0" smtClean="0"/>
               <a:t>uint</a:t>
             </a:r>
             <a:r>
-              <a:rPr lang="en-US" altLang="zh-CN" sz="2000" dirty="0" smtClean="0"/>
+              <a:rPr lang="en-US" altLang="zh-CN" sz="1800" dirty="0" smtClean="0"/>
               <a:t> </a:t>
             </a:r>
             <a:r>
-              <a:rPr lang="en-US" altLang="zh-CN" sz="2000" dirty="0"/>
+              <a:rPr lang="en-US" altLang="zh-CN" sz="1800" dirty="0"/>
               <a:t>x; </a:t>
             </a:r>
-            <a:endParaRPr lang="en-US" altLang="zh-CN" sz="2000" dirty="0" smtClean="0"/>
+            <a:endParaRPr lang="en-US" altLang="zh-CN" sz="1800" dirty="0" smtClean="0"/>
           </a:p>
           <a:p>
             <a:pPr marL="0" indent="0">
@@ -15026,7 +15212,7 @@
               <a:buNone/>
             </a:pPr>
             <a:r>
-              <a:rPr lang="en-US" altLang="zh-CN" sz="2000" dirty="0" smtClean="0"/>
+              <a:rPr lang="en-US" altLang="zh-CN" sz="1800" dirty="0" smtClean="0"/>
               <a:t>} </a:t>
             </a:r>
           </a:p>
@@ -15038,18 +15224,18 @@
               <a:buNone/>
             </a:pPr>
             <a:r>
-              <a:rPr lang="en-US" altLang="zh-CN" sz="2000" b="1" dirty="0" smtClean="0"/>
+              <a:rPr lang="en-US" altLang="zh-CN" sz="1800" b="1" dirty="0" smtClean="0"/>
               <a:t>contract</a:t>
             </a:r>
             <a:r>
-              <a:rPr lang="en-US" altLang="zh-CN" sz="2000" dirty="0" smtClean="0"/>
+              <a:rPr lang="en-US" altLang="zh-CN" sz="1800" dirty="0" smtClean="0"/>
               <a:t> </a:t>
             </a:r>
             <a:r>
-              <a:rPr lang="en-US" altLang="zh-CN" sz="2000" dirty="0"/>
+              <a:rPr lang="en-US" altLang="zh-CN" sz="1800" dirty="0"/>
               <a:t>Caller { </a:t>
             </a:r>
-            <a:endParaRPr lang="en-US" altLang="zh-CN" sz="2000" dirty="0" smtClean="0"/>
+            <a:endParaRPr lang="en-US" altLang="zh-CN" sz="1800" dirty="0" smtClean="0"/>
           </a:p>
           <a:p>
             <a:pPr marL="0" indent="0">
@@ -15059,47 +15245,47 @@
               <a:buNone/>
             </a:pPr>
             <a:r>
-              <a:rPr lang="en-US" altLang="zh-CN" sz="2000" b="1" dirty="0"/>
+              <a:rPr lang="en-US" altLang="zh-CN" sz="1800" b="1" dirty="0"/>
               <a:t>	</a:t>
             </a:r>
             <a:r>
-              <a:rPr lang="en-US" altLang="zh-CN" sz="2000" b="1" dirty="0" smtClean="0"/>
+              <a:rPr lang="en-US" altLang="zh-CN" sz="1800" b="1" dirty="0" smtClean="0"/>
               <a:t>function</a:t>
             </a:r>
             <a:r>
-              <a:rPr lang="en-US" altLang="zh-CN" sz="2000" dirty="0" smtClean="0"/>
+              <a:rPr lang="en-US" altLang="zh-CN" sz="1800" dirty="0" smtClean="0"/>
               <a:t> </a:t>
             </a:r>
             <a:r>
-              <a:rPr lang="en-US" altLang="zh-CN" sz="2000" dirty="0"/>
+              <a:rPr lang="en-US" altLang="zh-CN" sz="1800" dirty="0"/>
               <a:t>callTest(Test test) </a:t>
             </a:r>
             <a:r>
-              <a:rPr lang="en-US" altLang="zh-CN" sz="2000" b="1" dirty="0"/>
+              <a:rPr lang="en-US" altLang="zh-CN" sz="1800" b="1" dirty="0"/>
               <a:t>public</a:t>
             </a:r>
             <a:r>
-              <a:rPr lang="en-US" altLang="zh-CN" sz="2000" dirty="0"/>
+              <a:rPr lang="en-US" altLang="zh-CN" sz="1800" dirty="0"/>
               <a:t> </a:t>
             </a:r>
             <a:r>
-              <a:rPr lang="en-US" altLang="zh-CN" sz="2000" b="1" dirty="0"/>
+              <a:rPr lang="en-US" altLang="zh-CN" sz="1800" b="1" dirty="0"/>
               <a:t>returns</a:t>
             </a:r>
             <a:r>
-              <a:rPr lang="en-US" altLang="zh-CN" sz="2000" dirty="0"/>
+              <a:rPr lang="en-US" altLang="zh-CN" sz="1800" dirty="0"/>
               <a:t> (</a:t>
             </a:r>
             <a:r>
-              <a:rPr lang="en-US" altLang="zh-CN" sz="2000" i="1" dirty="0"/>
+              <a:rPr lang="en-US" altLang="zh-CN" sz="1800" i="1" dirty="0"/>
               <a:t>bool</a:t>
             </a:r>
             <a:r>
-              <a:rPr lang="en-US" altLang="zh-CN" sz="2000" dirty="0"/>
+              <a:rPr lang="en-US" altLang="zh-CN" sz="1800" dirty="0"/>
               <a:t>) </a:t>
             </a:r>
             <a:r>
-              <a:rPr lang="en-US" altLang="zh-CN" sz="2000" dirty="0" smtClean="0"/>
+              <a:rPr lang="en-US" altLang="zh-CN" sz="1800" dirty="0" smtClean="0"/>
               <a:t>{ </a:t>
             </a:r>
           </a:p>
@@ -15111,27 +15297,27 @@
               <a:buNone/>
             </a:pPr>
             <a:r>
-              <a:rPr lang="en-US" altLang="zh-CN" sz="2000" dirty="0"/>
+              <a:rPr lang="en-US" altLang="zh-CN" sz="1800" dirty="0"/>
               <a:t>	</a:t>
             </a:r>
             <a:r>
-              <a:rPr lang="en-US" altLang="zh-CN" sz="2000" dirty="0" smtClean="0"/>
+              <a:rPr lang="en-US" altLang="zh-CN" sz="1800" dirty="0" smtClean="0"/>
               <a:t>	</a:t>
             </a:r>
             <a:r>
-              <a:rPr lang="en-US" altLang="zh-CN" sz="2000" dirty="0"/>
+              <a:rPr lang="en-US" altLang="zh-CN" sz="1800" dirty="0"/>
               <a:t>(</a:t>
             </a:r>
             <a:r>
-              <a:rPr lang="en-US" altLang="zh-CN" sz="2000" i="1" dirty="0"/>
+              <a:rPr lang="en-US" altLang="zh-CN" sz="1800" i="1" dirty="0"/>
               <a:t>bool</a:t>
             </a:r>
             <a:r>
-              <a:rPr lang="en-US" altLang="zh-CN" sz="2000" dirty="0"/>
+              <a:rPr lang="en-US" altLang="zh-CN" sz="1800" dirty="0"/>
               <a:t> success,) </a:t>
             </a:r>
             <a:r>
-              <a:rPr lang="en-US" altLang="zh-CN" sz="2000" dirty="0" smtClean="0"/>
+              <a:rPr lang="en-US" altLang="zh-CN" sz="1800" dirty="0" smtClean="0"/>
               <a:t>= address(test).call(abi.encodeWithSignature(“nonExistingFunction()”));</a:t>
             </a:r>
           </a:p>
@@ -15143,7 +15329,7 @@
               <a:buNone/>
             </a:pPr>
             <a:r>
-              <a:rPr lang="en-US" altLang="zh-CN" sz="2000" dirty="0" smtClean="0"/>
+              <a:rPr lang="en-US" altLang="zh-CN" sz="1800" dirty="0" smtClean="0"/>
               <a:t>		require(success);</a:t>
             </a:r>
           </a:p>
@@ -15155,26 +15341,26 @@
               <a:buNone/>
             </a:pPr>
             <a:r>
-              <a:rPr lang="en-US" altLang="zh-CN" sz="2000" dirty="0" smtClean="0"/>
+              <a:rPr lang="en-US" altLang="zh-CN" sz="1800" dirty="0" smtClean="0"/>
               <a:t>		</a:t>
             </a:r>
             <a:r>
-              <a:rPr lang="en-US" altLang="zh-CN" sz="2000" i="1" dirty="0" smtClean="0"/>
+              <a:rPr lang="en-US" altLang="zh-CN" sz="1800" i="1" dirty="0" smtClean="0"/>
               <a:t>address</a:t>
             </a:r>
             <a:r>
-              <a:rPr lang="en-US" altLang="zh-CN" sz="2000" dirty="0" smtClean="0"/>
+              <a:rPr lang="en-US" altLang="zh-CN" sz="1800" dirty="0" smtClean="0"/>
               <a:t> </a:t>
             </a:r>
             <a:r>
-              <a:rPr lang="en-US" altLang="zh-CN" sz="2000" b="1" dirty="0"/>
+              <a:rPr lang="en-US" altLang="zh-CN" sz="1800" b="1" dirty="0"/>
               <a:t>payable</a:t>
             </a:r>
             <a:r>
-              <a:rPr lang="en-US" altLang="zh-CN" sz="2000" dirty="0"/>
+              <a:rPr lang="en-US" altLang="zh-CN" sz="1800" dirty="0"/>
               <a:t> testPayable = address(uint160(address(test)));</a:t>
             </a:r>
-            <a:endParaRPr lang="en-US" altLang="zh-CN" sz="2000" dirty="0" smtClean="0"/>
+            <a:endParaRPr lang="en-US" altLang="zh-CN" sz="1800" dirty="0" smtClean="0"/>
           </a:p>
           <a:p>
             <a:pPr marL="0" indent="0">
@@ -15184,30 +15370,30 @@
               <a:buNone/>
             </a:pPr>
             <a:r>
-              <a:rPr lang="en-US" altLang="zh-CN" sz="2000" i="1" dirty="0"/>
+              <a:rPr lang="en-US" altLang="zh-CN" sz="1800" i="1" dirty="0"/>
               <a:t>	</a:t>
             </a:r>
             <a:r>
-              <a:rPr lang="en-US" altLang="zh-CN" sz="2000" i="1" dirty="0" smtClean="0"/>
+              <a:rPr lang="en-US" altLang="zh-CN" sz="1800" i="1" dirty="0" smtClean="0"/>
               <a:t>	</a:t>
             </a:r>
             <a:r>
-              <a:rPr lang="en-US" altLang="zh-CN" sz="2000" b="1" dirty="0"/>
+              <a:rPr lang="en-US" altLang="zh-CN" sz="1800" b="1" dirty="0"/>
               <a:t>return</a:t>
             </a:r>
             <a:r>
-              <a:rPr lang="en-US" altLang="zh-CN" sz="2000" dirty="0"/>
+              <a:rPr lang="en-US" altLang="zh-CN" sz="1800" dirty="0"/>
               <a:t> testPayable.send(2 </a:t>
             </a:r>
             <a:r>
-              <a:rPr lang="en-US" altLang="zh-CN" sz="2000" b="1" dirty="0"/>
+              <a:rPr lang="en-US" altLang="zh-CN" sz="1800" b="1" dirty="0"/>
               <a:t>ether</a:t>
             </a:r>
             <a:r>
-              <a:rPr lang="en-US" altLang="zh-CN" sz="2000" dirty="0"/>
+              <a:rPr lang="en-US" altLang="zh-CN" sz="1800" dirty="0"/>
               <a:t>);	</a:t>
             </a:r>
-            <a:endParaRPr lang="en-US" altLang="zh-CN" sz="2000" dirty="0" smtClean="0"/>
+            <a:endParaRPr lang="en-US" altLang="zh-CN" sz="1800" dirty="0" smtClean="0"/>
           </a:p>
           <a:p>
             <a:pPr marL="0" indent="0">
@@ -15217,11 +15403,11 @@
               <a:buNone/>
             </a:pPr>
             <a:r>
-              <a:rPr lang="en-US" altLang="zh-CN" sz="2000" dirty="0"/>
+              <a:rPr lang="en-US" altLang="zh-CN" sz="1800" dirty="0"/>
               <a:t>	</a:t>
             </a:r>
             <a:r>
-              <a:rPr lang="en-US" altLang="zh-CN" sz="2000" dirty="0" smtClean="0"/>
+              <a:rPr lang="en-US" altLang="zh-CN" sz="1800" dirty="0" smtClean="0"/>
               <a:t>} </a:t>
             </a:r>
           </a:p>
@@ -15233,10 +15419,10 @@
               <a:buNone/>
             </a:pPr>
             <a:r>
-              <a:rPr lang="en-US" altLang="zh-CN" sz="2000" dirty="0" smtClean="0"/>
+              <a:rPr lang="en-US" altLang="zh-CN" sz="1800" dirty="0" smtClean="0"/>
               <a:t>}</a:t>
             </a:r>
-            <a:endParaRPr lang="zh-CN" altLang="en-US" sz="2000" dirty="0"/>
+            <a:endParaRPr lang="zh-CN" altLang="en-US" sz="1800" dirty="0"/>
           </a:p>
         </p:txBody>
       </p:sp>
@@ -15289,37 +15475,39 @@
         </p:nvSpPr>
         <p:spPr>
           <a:xfrm>
-            <a:off x="457200" y="188640"/>
+            <a:off x="457200" y="332656"/>
             <a:ext cx="8229600" cy="1143000"/>
           </a:xfrm>
         </p:spPr>
         <p:txBody>
-          <a:bodyPr/>
+          <a:bodyPr>
+            <a:normAutofit/>
+          </a:bodyPr>
           <a:lstStyle/>
           <a:p>
             <a:pPr algn="l"/>
             <a:r>
-              <a:rPr lang="zh-CN" altLang="en-US" dirty="0" smtClean="0">
+              <a:rPr lang="zh-CN" altLang="en-US" sz="3600" dirty="0" smtClean="0">
                 <a:latin typeface="微软雅黑 Light" pitchFamily="34" charset="-122"/>
                 <a:ea typeface="微软雅黑 Light" pitchFamily="34" charset="-122"/>
               </a:rPr>
               <a:t>  事件（</a:t>
             </a:r>
             <a:r>
-              <a:rPr lang="en-US" altLang="zh-CN" dirty="0" smtClean="0">
+              <a:rPr lang="en-US" altLang="zh-CN" sz="3600" dirty="0" smtClean="0">
                 <a:latin typeface="微软雅黑 Light" pitchFamily="34" charset="-122"/>
                 <a:ea typeface="微软雅黑 Light" pitchFamily="34" charset="-122"/>
               </a:rPr>
               <a:t>event</a:t>
             </a:r>
             <a:r>
-              <a:rPr lang="zh-CN" altLang="en-US" dirty="0" smtClean="0">
+              <a:rPr lang="zh-CN" altLang="en-US" sz="3600" dirty="0" smtClean="0">
                 <a:latin typeface="微软雅黑 Light" pitchFamily="34" charset="-122"/>
                 <a:ea typeface="微软雅黑 Light" pitchFamily="34" charset="-122"/>
               </a:rPr>
               <a:t>）</a:t>
             </a:r>
-            <a:endParaRPr lang="zh-CN" altLang="en-US" dirty="0">
+            <a:endParaRPr lang="zh-CN" altLang="en-US" sz="3600" dirty="0">
               <a:latin typeface="微软雅黑 Light" pitchFamily="34" charset="-122"/>
               <a:ea typeface="微软雅黑 Light" pitchFamily="34" charset="-122"/>
             </a:endParaRPr>
@@ -15518,30 +15706,32 @@
         </p:nvSpPr>
         <p:spPr>
           <a:xfrm>
-            <a:off x="457200" y="188640"/>
+            <a:off x="457200" y="404664"/>
             <a:ext cx="8229600" cy="1143000"/>
           </a:xfrm>
         </p:spPr>
         <p:txBody>
-          <a:bodyPr/>
+          <a:bodyPr>
+            <a:normAutofit/>
+          </a:bodyPr>
           <a:lstStyle/>
           <a:p>
             <a:pPr algn="l"/>
             <a:r>
-              <a:rPr lang="en-US" altLang="zh-CN" dirty="0" smtClean="0">
+              <a:rPr lang="en-US" altLang="zh-CN" sz="3600" dirty="0" smtClean="0">
                 <a:latin typeface="微软雅黑 Light" pitchFamily="34" charset="-122"/>
                 <a:ea typeface="微软雅黑 Light" pitchFamily="34" charset="-122"/>
               </a:rPr>
               <a:t>  Solidity</a:t>
             </a:r>
             <a:r>
-              <a:rPr lang="zh-CN" altLang="en-US" dirty="0" smtClean="0">
+              <a:rPr lang="zh-CN" altLang="en-US" sz="3600" dirty="0" smtClean="0">
                 <a:latin typeface="微软雅黑 Light" pitchFamily="34" charset="-122"/>
                 <a:ea typeface="微软雅黑 Light" pitchFamily="34" charset="-122"/>
               </a:rPr>
               <a:t>异常处理</a:t>
             </a:r>
-            <a:endParaRPr lang="zh-CN" altLang="en-US" dirty="0">
+            <a:endParaRPr lang="zh-CN" altLang="en-US" sz="3600" dirty="0">
               <a:latin typeface="微软雅黑 Light" pitchFamily="34" charset="-122"/>
               <a:ea typeface="微软雅黑 Light" pitchFamily="34" charset="-122"/>
             </a:endParaRPr>
@@ -15836,30 +16026,32 @@
         </p:nvSpPr>
         <p:spPr>
           <a:xfrm>
-            <a:off x="457200" y="188640"/>
+            <a:off x="467544" y="341784"/>
             <a:ext cx="8229600" cy="1143000"/>
           </a:xfrm>
         </p:spPr>
         <p:txBody>
-          <a:bodyPr/>
+          <a:bodyPr>
+            <a:normAutofit/>
+          </a:bodyPr>
           <a:lstStyle/>
           <a:p>
             <a:pPr algn="l"/>
             <a:r>
-              <a:rPr lang="en-US" altLang="zh-CN" dirty="0" smtClean="0">
+              <a:rPr lang="en-US" altLang="zh-CN" sz="3600" dirty="0" smtClean="0">
                 <a:latin typeface="微软雅黑 Light" pitchFamily="34" charset="-122"/>
                 <a:ea typeface="微软雅黑 Light" pitchFamily="34" charset="-122"/>
               </a:rPr>
               <a:t>  Solidity</a:t>
             </a:r>
             <a:r>
-              <a:rPr lang="zh-CN" altLang="en-US" dirty="0" smtClean="0">
+              <a:rPr lang="zh-CN" altLang="en-US" sz="3600" dirty="0" smtClean="0">
                 <a:latin typeface="微软雅黑 Light" pitchFamily="34" charset="-122"/>
                 <a:ea typeface="微软雅黑 Light" pitchFamily="34" charset="-122"/>
               </a:rPr>
               <a:t>中的单位</a:t>
             </a:r>
-            <a:endParaRPr lang="zh-CN" altLang="en-US" dirty="0">
+            <a:endParaRPr lang="zh-CN" altLang="en-US" sz="3600" dirty="0">
               <a:latin typeface="微软雅黑 Light" pitchFamily="34" charset="-122"/>
               <a:ea typeface="微软雅黑 Light" pitchFamily="34" charset="-122"/>
             </a:endParaRPr>
@@ -15878,7 +16070,7 @@
         </p:nvSpPr>
         <p:spPr>
           <a:xfrm>
-            <a:off x="539552" y="1124744"/>
+            <a:off x="395536" y="1124744"/>
             <a:ext cx="8147248" cy="5040560"/>
           </a:xfrm>
         </p:spPr>
@@ -16014,13 +16206,13 @@
           <p:nvPr>
             <p:extLst>
               <p:ext uri="{D42A27DB-BD31-4B8C-83A1-F6EECF244321}">
-                <p14:modId xmlns:p14="http://schemas.microsoft.com/office/powerpoint/2010/main" val="2938795415"/>
+                <p14:modId xmlns:p14="http://schemas.microsoft.com/office/powerpoint/2010/main" val="1089779495"/>
               </p:ext>
             </p:extLst>
           </p:nvPr>
         </p:nvGraphicFramePr>
         <p:xfrm>
-          <a:off x="755576" y="3501008"/>
+          <a:off x="755576" y="3414608"/>
           <a:ext cx="7776864" cy="2966720"/>
         </p:xfrm>
         <a:graphic>
@@ -16432,30 +16624,32 @@
         </p:nvSpPr>
         <p:spPr>
           <a:xfrm>
-            <a:off x="457200" y="188640"/>
+            <a:off x="467544" y="341784"/>
             <a:ext cx="8229600" cy="1143000"/>
           </a:xfrm>
         </p:spPr>
         <p:txBody>
-          <a:bodyPr/>
+          <a:bodyPr>
+            <a:normAutofit/>
+          </a:bodyPr>
           <a:lstStyle/>
           <a:p>
             <a:pPr algn="l"/>
             <a:r>
-              <a:rPr lang="en-US" altLang="zh-CN" dirty="0" smtClean="0">
+              <a:rPr lang="en-US" altLang="zh-CN" sz="3600" dirty="0" smtClean="0">
                 <a:latin typeface="微软雅黑 Light" pitchFamily="34" charset="-122"/>
                 <a:ea typeface="微软雅黑 Light" pitchFamily="34" charset="-122"/>
               </a:rPr>
               <a:t>  Solidity</a:t>
             </a:r>
             <a:r>
-              <a:rPr lang="zh-CN" altLang="en-US" dirty="0" smtClean="0">
+              <a:rPr lang="zh-CN" altLang="en-US" sz="3600" dirty="0" smtClean="0">
                 <a:latin typeface="微软雅黑 Light" pitchFamily="34" charset="-122"/>
                 <a:ea typeface="微软雅黑 Light" pitchFamily="34" charset="-122"/>
               </a:rPr>
               <a:t>中的单位</a:t>
             </a:r>
-            <a:endParaRPr lang="zh-CN" altLang="en-US" dirty="0">
+            <a:endParaRPr lang="zh-CN" altLang="en-US" sz="3600" dirty="0">
               <a:latin typeface="微软雅黑 Light" pitchFamily="34" charset="-122"/>
               <a:ea typeface="微软雅黑 Light" pitchFamily="34" charset="-122"/>
             </a:endParaRPr>
@@ -16474,7 +16668,7 @@
         </p:nvSpPr>
         <p:spPr>
           <a:xfrm>
-            <a:off x="539552" y="1124744"/>
+            <a:off x="385192" y="1124744"/>
             <a:ext cx="8147248" cy="5040560"/>
           </a:xfrm>
         </p:spPr>
@@ -16706,7 +16900,7 @@
         </p:nvSpPr>
         <p:spPr>
           <a:xfrm>
-            <a:off x="539552" y="4715559"/>
+            <a:off x="755576" y="4571543"/>
             <a:ext cx="8352928" cy="2169825"/>
           </a:xfrm>
           <a:prstGeom prst="rect">
@@ -16961,37 +17155,39 @@
         </p:nvSpPr>
         <p:spPr>
           <a:xfrm>
-            <a:off x="457200" y="44624"/>
+            <a:off x="457200" y="269776"/>
             <a:ext cx="8229600" cy="1143000"/>
           </a:xfrm>
         </p:spPr>
         <p:txBody>
-          <a:bodyPr/>
+          <a:bodyPr>
+            <a:normAutofit/>
+          </a:bodyPr>
           <a:lstStyle/>
           <a:p>
             <a:pPr algn="l"/>
             <a:r>
-              <a:rPr lang="en-US" altLang="zh-CN" dirty="0" smtClean="0">
+              <a:rPr lang="en-US" altLang="zh-CN" sz="2800" dirty="0" smtClean="0">
                 <a:latin typeface="微软雅黑 Light" pitchFamily="34" charset="-122"/>
                 <a:ea typeface="微软雅黑 Light" pitchFamily="34" charset="-122"/>
               </a:rPr>
               <a:t>  Solidity</a:t>
             </a:r>
             <a:r>
-              <a:rPr lang="zh-CN" altLang="en-US" dirty="0">
+              <a:rPr lang="zh-CN" altLang="en-US" sz="2800" dirty="0">
                 <a:latin typeface="微软雅黑 Light" pitchFamily="34" charset="-122"/>
                 <a:ea typeface="微软雅黑 Light" pitchFamily="34" charset="-122"/>
               </a:rPr>
               <a:t>值</a:t>
             </a:r>
             <a:r>
-              <a:rPr lang="zh-CN" altLang="en-US" dirty="0" smtClean="0">
+              <a:rPr lang="zh-CN" altLang="en-US" sz="2800" dirty="0" smtClean="0">
                 <a:latin typeface="微软雅黑 Light" pitchFamily="34" charset="-122"/>
                 <a:ea typeface="微软雅黑 Light" pitchFamily="34" charset="-122"/>
               </a:rPr>
               <a:t>类型</a:t>
             </a:r>
-            <a:endParaRPr lang="zh-CN" altLang="en-US" dirty="0">
+            <a:endParaRPr lang="zh-CN" altLang="en-US" sz="2800" dirty="0">
               <a:latin typeface="微软雅黑 Light" pitchFamily="34" charset="-122"/>
               <a:ea typeface="微软雅黑 Light" pitchFamily="34" charset="-122"/>
             </a:endParaRPr>
@@ -17480,30 +17676,32 @@
         </p:nvSpPr>
         <p:spPr>
           <a:xfrm>
-            <a:off x="457200" y="188640"/>
+            <a:off x="590872" y="332656"/>
             <a:ext cx="8229600" cy="1143000"/>
           </a:xfrm>
         </p:spPr>
         <p:txBody>
-          <a:bodyPr/>
+          <a:bodyPr>
+            <a:normAutofit/>
+          </a:bodyPr>
           <a:lstStyle/>
           <a:p>
             <a:pPr algn="l"/>
             <a:r>
-              <a:rPr lang="en-US" altLang="zh-CN" dirty="0" smtClean="0">
+              <a:rPr lang="en-US" altLang="zh-CN" sz="3600" dirty="0" smtClean="0">
                 <a:latin typeface="微软雅黑 Light" pitchFamily="34" charset="-122"/>
                 <a:ea typeface="微软雅黑 Light" pitchFamily="34" charset="-122"/>
               </a:rPr>
               <a:t>  Solidity</a:t>
             </a:r>
             <a:r>
-              <a:rPr lang="zh-CN" altLang="en-US" dirty="0" smtClean="0">
+              <a:rPr lang="zh-CN" altLang="en-US" sz="3600" dirty="0" smtClean="0">
                 <a:latin typeface="微软雅黑 Light" pitchFamily="34" charset="-122"/>
                 <a:ea typeface="微软雅黑 Light" pitchFamily="34" charset="-122"/>
               </a:rPr>
               <a:t>引用类型</a:t>
             </a:r>
-            <a:endParaRPr lang="zh-CN" altLang="en-US" dirty="0">
+            <a:endParaRPr lang="zh-CN" altLang="en-US" sz="3600" dirty="0">
               <a:latin typeface="微软雅黑 Light" pitchFamily="34" charset="-122"/>
               <a:ea typeface="微软雅黑 Light" pitchFamily="34" charset="-122"/>
             </a:endParaRPr>
@@ -17781,37 +17979,39 @@
         </p:nvSpPr>
         <p:spPr>
           <a:xfrm>
-            <a:off x="457200" y="188640"/>
+            <a:off x="457200" y="341784"/>
             <a:ext cx="8229600" cy="1143000"/>
           </a:xfrm>
         </p:spPr>
         <p:txBody>
-          <a:bodyPr/>
+          <a:bodyPr>
+            <a:normAutofit/>
+          </a:bodyPr>
           <a:lstStyle/>
           <a:p>
             <a:pPr algn="l"/>
             <a:r>
-              <a:rPr lang="en-US" altLang="zh-CN" dirty="0" smtClean="0">
+              <a:rPr lang="en-US" altLang="zh-CN" sz="3600" dirty="0" smtClean="0">
                 <a:latin typeface="微软雅黑 Light" pitchFamily="34" charset="-122"/>
                 <a:ea typeface="微软雅黑 Light" pitchFamily="34" charset="-122"/>
               </a:rPr>
               <a:t>  Solidity</a:t>
             </a:r>
             <a:r>
-              <a:rPr lang="zh-CN" altLang="en-US" dirty="0">
+              <a:rPr lang="zh-CN" altLang="en-US" sz="3600" dirty="0">
                 <a:latin typeface="微软雅黑 Light" pitchFamily="34" charset="-122"/>
                 <a:ea typeface="微软雅黑 Light" pitchFamily="34" charset="-122"/>
               </a:rPr>
               <a:t>地址</a:t>
             </a:r>
             <a:r>
-              <a:rPr lang="zh-CN" altLang="en-US" dirty="0" smtClean="0">
+              <a:rPr lang="zh-CN" altLang="en-US" sz="3600" dirty="0" smtClean="0">
                 <a:latin typeface="微软雅黑 Light" pitchFamily="34" charset="-122"/>
                 <a:ea typeface="微软雅黑 Light" pitchFamily="34" charset="-122"/>
               </a:rPr>
               <a:t>类型</a:t>
             </a:r>
-            <a:endParaRPr lang="zh-CN" altLang="en-US" dirty="0">
+            <a:endParaRPr lang="zh-CN" altLang="en-US" sz="3600" dirty="0">
               <a:latin typeface="微软雅黑 Light" pitchFamily="34" charset="-122"/>
               <a:ea typeface="微软雅黑 Light" pitchFamily="34" charset="-122"/>
             </a:endParaRPr>
@@ -18201,7 +18401,7 @@
         </p:nvSpPr>
         <p:spPr>
           <a:xfrm>
-            <a:off x="457200" y="-27384"/>
+            <a:off x="457200" y="269776"/>
             <a:ext cx="8229600" cy="1143000"/>
           </a:xfrm>
         </p:spPr>
@@ -18213,13 +18413,13 @@
           <a:p>
             <a:pPr algn="l"/>
             <a:r>
-              <a:rPr lang="zh-CN" altLang="en-US" sz="3600" dirty="0" smtClean="0">
+              <a:rPr lang="zh-CN" altLang="en-US" sz="2800" dirty="0" smtClean="0">
                 <a:latin typeface="微软雅黑 Light" pitchFamily="34" charset="-122"/>
                 <a:ea typeface="微软雅黑 Light" pitchFamily="34" charset="-122"/>
               </a:rPr>
               <a:t>地址类型成员变量</a:t>
             </a:r>
-            <a:endParaRPr lang="zh-CN" altLang="en-US" sz="3600" dirty="0">
+            <a:endParaRPr lang="zh-CN" altLang="en-US" sz="2800" dirty="0">
               <a:latin typeface="微软雅黑 Light" pitchFamily="34" charset="-122"/>
               <a:ea typeface="微软雅黑 Light" pitchFamily="34" charset="-122"/>
             </a:endParaRPr>
@@ -18238,7 +18438,7 @@
         </p:nvSpPr>
         <p:spPr>
           <a:xfrm>
-            <a:off x="395536" y="908720"/>
+            <a:off x="467544" y="1052736"/>
             <a:ext cx="8568952" cy="5832648"/>
           </a:xfrm>
         </p:spPr>
@@ -18250,7 +18450,7 @@
           <a:p>
             <a:pPr marL="0" indent="0">
               <a:lnSpc>
-                <a:spcPct val="130000"/>
+                <a:spcPct val="120000"/>
               </a:lnSpc>
               <a:buNone/>
             </a:pPr>
@@ -18266,7 +18466,7 @@
           <a:p>
             <a:pPr>
               <a:lnSpc>
-                <a:spcPct val="130000"/>
+                <a:spcPct val="120000"/>
               </a:lnSpc>
             </a:pPr>
             <a:r>
@@ -18294,7 +18494,7 @@
           <a:p>
             <a:pPr marL="0" indent="0">
               <a:lnSpc>
-                <a:spcPct val="130000"/>
+                <a:spcPct val="120000"/>
               </a:lnSpc>
               <a:buNone/>
             </a:pPr>
@@ -18314,7 +18514,7 @@
           <a:p>
             <a:pPr>
               <a:lnSpc>
-                <a:spcPct val="130000"/>
+                <a:spcPct val="120000"/>
               </a:lnSpc>
             </a:pPr>
             <a:r>
@@ -18366,7 +18566,7 @@
           <a:p>
             <a:pPr marL="0" indent="0">
               <a:lnSpc>
-                <a:spcPct val="130000"/>
+                <a:spcPct val="120000"/>
               </a:lnSpc>
               <a:buNone/>
             </a:pPr>
@@ -18386,7 +18586,7 @@
           <a:p>
             <a:pPr>
               <a:lnSpc>
-                <a:spcPct val="130000"/>
+                <a:spcPct val="120000"/>
               </a:lnSpc>
             </a:pPr>
             <a:r>
@@ -18458,7 +18658,7 @@
           <a:p>
             <a:pPr marL="0" indent="0">
               <a:lnSpc>
-                <a:spcPct val="130000"/>
+                <a:spcPct val="120000"/>
               </a:lnSpc>
               <a:buNone/>
             </a:pPr>
@@ -18478,7 +18678,7 @@
           <a:p>
             <a:pPr>
               <a:lnSpc>
-                <a:spcPct val="130000"/>
+                <a:spcPct val="120000"/>
               </a:lnSpc>
             </a:pPr>
             <a:r>
@@ -18522,7 +18722,7 @@
           <a:p>
             <a:pPr marL="0" indent="0">
               <a:lnSpc>
-                <a:spcPct val="130000"/>
+                <a:spcPct val="120000"/>
               </a:lnSpc>
               <a:buNone/>
             </a:pPr>
@@ -18542,7 +18742,7 @@
           <a:p>
             <a:pPr>
               <a:lnSpc>
-                <a:spcPct val="130000"/>
+                <a:spcPct val="120000"/>
               </a:lnSpc>
             </a:pPr>
             <a:r>
@@ -18586,7 +18786,7 @@
           <a:p>
             <a:pPr marL="0" indent="0">
               <a:lnSpc>
-                <a:spcPct val="130000"/>
+                <a:spcPct val="120000"/>
               </a:lnSpc>
               <a:buNone/>
             </a:pPr>
@@ -18606,7 +18806,7 @@
           <a:p>
             <a:pPr>
               <a:lnSpc>
-                <a:spcPct val="130000"/>
+                <a:spcPct val="120000"/>
               </a:lnSpc>
             </a:pPr>
             <a:r>
@@ -18698,30 +18898,32 @@
         </p:nvSpPr>
         <p:spPr>
           <a:xfrm>
-            <a:off x="457200" y="188640"/>
+            <a:off x="457200" y="413792"/>
             <a:ext cx="8229600" cy="1143000"/>
           </a:xfrm>
         </p:spPr>
         <p:txBody>
-          <a:bodyPr/>
+          <a:bodyPr>
+            <a:normAutofit/>
+          </a:bodyPr>
           <a:lstStyle/>
           <a:p>
             <a:pPr algn="l"/>
             <a:r>
-              <a:rPr lang="en-US" altLang="zh-CN" dirty="0" smtClean="0">
+              <a:rPr lang="en-US" altLang="zh-CN" sz="3600" dirty="0" smtClean="0">
                 <a:latin typeface="微软雅黑 Light" pitchFamily="34" charset="-122"/>
                 <a:ea typeface="微软雅黑 Light" pitchFamily="34" charset="-122"/>
               </a:rPr>
               <a:t>  </a:t>
             </a:r>
             <a:r>
-              <a:rPr lang="zh-CN" altLang="en-US" dirty="0" smtClean="0">
+              <a:rPr lang="zh-CN" altLang="en-US" sz="3600" dirty="0" smtClean="0">
                 <a:latin typeface="微软雅黑 Light" pitchFamily="34" charset="-122"/>
                 <a:ea typeface="微软雅黑 Light" pitchFamily="34" charset="-122"/>
               </a:rPr>
               <a:t>地址成员变量用法</a:t>
             </a:r>
-            <a:endParaRPr lang="zh-CN" altLang="en-US" dirty="0">
+            <a:endParaRPr lang="zh-CN" altLang="en-US" sz="3600" dirty="0">
               <a:latin typeface="微软雅黑 Light" pitchFamily="34" charset="-122"/>
               <a:ea typeface="微软雅黑 Light" pitchFamily="34" charset="-122"/>
             </a:endParaRPr>
@@ -18740,43 +18942,43 @@
         </p:nvSpPr>
         <p:spPr>
           <a:xfrm>
-            <a:off x="457200" y="1196752"/>
-            <a:ext cx="8363272" cy="5544616"/>
+            <a:off x="457200" y="1340768"/>
+            <a:ext cx="8363272" cy="5040560"/>
           </a:xfrm>
         </p:spPr>
         <p:txBody>
           <a:bodyPr>
-            <a:normAutofit fontScale="85000" lnSpcReduction="20000"/>
+            <a:noAutofit/>
           </a:bodyPr>
           <a:lstStyle/>
           <a:p>
             <a:pPr marL="360000" indent="0">
               <a:lnSpc>
-                <a:spcPct val="140000"/>
-              </a:lnSpc>
-              <a:buNone/>
-            </a:pPr>
-            <a:r>
-              <a:rPr lang="en-US" altLang="zh-CN" sz="2400" b="1" dirty="0"/>
+                <a:spcPct val="120000"/>
+              </a:lnSpc>
+              <a:buNone/>
+            </a:pPr>
+            <a:r>
+              <a:rPr lang="en-US" altLang="zh-CN" sz="1800" b="1" dirty="0"/>
               <a:t>b</a:t>
             </a:r>
             <a:r>
-              <a:rPr lang="en-US" altLang="zh-CN" sz="2400" b="1" dirty="0" smtClean="0"/>
+              <a:rPr lang="en-US" altLang="zh-CN" sz="1800" b="1" dirty="0" smtClean="0"/>
               <a:t>alance </a:t>
             </a:r>
             <a:r>
-              <a:rPr lang="zh-CN" altLang="en-US" sz="2400" b="1" dirty="0" smtClean="0"/>
+              <a:rPr lang="zh-CN" altLang="en-US" sz="1800" b="1" dirty="0" smtClean="0"/>
               <a:t>和 </a:t>
             </a:r>
             <a:r>
-              <a:rPr lang="en-US" altLang="zh-CN" sz="2400" b="1" dirty="0" smtClean="0"/>
+              <a:rPr lang="en-US" altLang="zh-CN" sz="1800" b="1" dirty="0" smtClean="0"/>
               <a:t>transfer</a:t>
             </a:r>
           </a:p>
           <a:p>
             <a:pPr>
               <a:lnSpc>
-                <a:spcPct val="140000"/>
+                <a:spcPct val="120000"/>
               </a:lnSpc>
               <a:spcBef>
                 <a:spcPts val="0"/>
@@ -18784,67 +18986,67 @@
               <a:defRPr/>
             </a:pPr>
             <a:r>
-              <a:rPr lang="zh-CN" altLang="en-US" sz="2400" dirty="0"/>
+              <a:rPr lang="zh-CN" altLang="en-US" sz="1800" dirty="0"/>
               <a:t>可以使用 </a:t>
             </a:r>
             <a:r>
-              <a:rPr lang="en-US" altLang="zh-CN" sz="2400" dirty="0"/>
+              <a:rPr lang="en-US" altLang="zh-CN" sz="1800" dirty="0"/>
               <a:t>balance</a:t>
             </a:r>
             <a:r>
-              <a:rPr lang="zh-CN" altLang="en-US" sz="2400" dirty="0"/>
+              <a:rPr lang="zh-CN" altLang="en-US" sz="1800" dirty="0"/>
               <a:t> 属性来查询一个地址的余额， </a:t>
             </a:r>
             <a:r>
-              <a:rPr lang="zh-CN" altLang="en-US" sz="2400" dirty="0" smtClean="0"/>
+              <a:rPr lang="zh-CN" altLang="en-US" sz="1800" dirty="0" smtClean="0"/>
               <a:t>可以</a:t>
             </a:r>
             <a:r>
-              <a:rPr lang="zh-CN" altLang="en-US" sz="2400" dirty="0"/>
+              <a:rPr lang="zh-CN" altLang="en-US" sz="1800" dirty="0"/>
               <a:t>使用 </a:t>
             </a:r>
             <a:r>
-              <a:rPr lang="en-US" altLang="zh-CN" sz="2400" dirty="0"/>
+              <a:rPr lang="en-US" altLang="zh-CN" sz="1800" dirty="0"/>
               <a:t>transfer</a:t>
             </a:r>
             <a:r>
-              <a:rPr lang="zh-CN" altLang="en-US" sz="2400" dirty="0"/>
+              <a:rPr lang="zh-CN" altLang="en-US" sz="1800" dirty="0"/>
               <a:t> 函数向一个</a:t>
             </a:r>
             <a:r>
-              <a:rPr lang="en-US" altLang="zh-CN" sz="2400" dirty="0"/>
+              <a:rPr lang="en-US" altLang="zh-CN" sz="1800" dirty="0"/>
               <a:t>payable</a:t>
             </a:r>
             <a:r>
-              <a:rPr lang="zh-CN" altLang="en-US" sz="2400" dirty="0"/>
+              <a:rPr lang="zh-CN" altLang="en-US" sz="1800" dirty="0"/>
               <a:t>地址发送 以太币</a:t>
             </a:r>
             <a:r>
-              <a:rPr lang="en-US" altLang="zh-CN" sz="2400" dirty="0"/>
+              <a:rPr lang="en-US" altLang="zh-CN" sz="1800" dirty="0"/>
               <a:t>Ether</a:t>
             </a:r>
             <a:r>
-              <a:rPr lang="zh-CN" altLang="en-US" sz="2400" dirty="0"/>
+              <a:rPr lang="zh-CN" altLang="en-US" sz="1800" dirty="0"/>
               <a:t>（以 </a:t>
             </a:r>
             <a:r>
-              <a:rPr lang="en-US" altLang="zh-CN" sz="2400" dirty="0"/>
+              <a:rPr lang="en-US" altLang="zh-CN" sz="1800" dirty="0"/>
               <a:t>wei </a:t>
             </a:r>
             <a:r>
-              <a:rPr lang="zh-CN" altLang="en-US" sz="2400" dirty="0"/>
+              <a:rPr lang="zh-CN" altLang="en-US" sz="1800" dirty="0"/>
               <a:t>为单位</a:t>
             </a:r>
             <a:r>
-              <a:rPr lang="zh-CN" altLang="en-US" sz="2400" dirty="0" smtClean="0"/>
+              <a:rPr lang="zh-CN" altLang="en-US" sz="1800" dirty="0" smtClean="0"/>
               <a:t>）</a:t>
             </a:r>
-            <a:endParaRPr lang="en-US" altLang="zh-CN" sz="2400" dirty="0" smtClean="0"/>
+            <a:endParaRPr lang="en-US" altLang="zh-CN" sz="1800" dirty="0" smtClean="0"/>
           </a:p>
           <a:p>
             <a:pPr marL="720000" indent="0">
               <a:lnSpc>
-                <a:spcPct val="140000"/>
+                <a:spcPct val="120000"/>
               </a:lnSpc>
               <a:spcBef>
                 <a:spcPts val="0"/>
@@ -18853,7 +19055,7 @@
               <a:defRPr/>
             </a:pPr>
             <a:r>
-              <a:rPr lang="en-US" altLang="zh-CN" sz="2400" i="1" dirty="0">
+              <a:rPr lang="en-US" altLang="zh-CN" sz="1800" i="1" dirty="0">
                 <a:solidFill>
                   <a:srgbClr val="00B0F0"/>
                 </a:solidFill>
@@ -18861,7 +19063,7 @@
               <a:t>address </a:t>
             </a:r>
             <a:r>
-              <a:rPr lang="en-US" altLang="zh-CN" sz="2400" b="1" i="1" dirty="0">
+              <a:rPr lang="en-US" altLang="zh-CN" sz="1800" b="1" i="1" dirty="0">
                 <a:solidFill>
                   <a:srgbClr val="00B0F0"/>
                 </a:solidFill>
@@ -18869,14 +19071,14 @@
               <a:t>payable</a:t>
             </a:r>
             <a:r>
-              <a:rPr lang="en-US" altLang="zh-CN" sz="2400" i="1" dirty="0">
+              <a:rPr lang="en-US" altLang="zh-CN" sz="1800" i="1" dirty="0">
                 <a:solidFill>
                   <a:srgbClr val="00B0F0"/>
                 </a:solidFill>
               </a:rPr>
               <a:t> x = address(0x123); </a:t>
             </a:r>
-            <a:endParaRPr lang="en-US" altLang="zh-CN" sz="2400" i="1" dirty="0" smtClean="0">
+            <a:endParaRPr lang="en-US" altLang="zh-CN" sz="1800" i="1" dirty="0" smtClean="0">
               <a:solidFill>
                 <a:srgbClr val="00B0F0"/>
               </a:solidFill>
@@ -18885,7 +19087,7 @@
           <a:p>
             <a:pPr marL="720000" indent="0">
               <a:lnSpc>
-                <a:spcPct val="140000"/>
+                <a:spcPct val="120000"/>
               </a:lnSpc>
               <a:spcBef>
                 <a:spcPts val="0"/>
@@ -18894,7 +19096,7 @@
               <a:defRPr/>
             </a:pPr>
             <a:r>
-              <a:rPr lang="en-US" altLang="zh-CN" sz="2400" i="1" dirty="0" smtClean="0">
+              <a:rPr lang="en-US" altLang="zh-CN" sz="1800" i="1" dirty="0" smtClean="0">
                 <a:solidFill>
                   <a:srgbClr val="00B0F0"/>
                 </a:solidFill>
@@ -18902,14 +19104,14 @@
               <a:t>address </a:t>
             </a:r>
             <a:r>
-              <a:rPr lang="en-US" altLang="zh-CN" sz="2400" i="1" dirty="0">
+              <a:rPr lang="en-US" altLang="zh-CN" sz="1800" i="1" dirty="0">
                 <a:solidFill>
                   <a:srgbClr val="00B0F0"/>
                 </a:solidFill>
               </a:rPr>
               <a:t>myAddress = address(this); </a:t>
             </a:r>
-            <a:endParaRPr lang="en-US" altLang="zh-CN" sz="2400" i="1" dirty="0" smtClean="0">
+            <a:endParaRPr lang="en-US" altLang="zh-CN" sz="1800" i="1" dirty="0" smtClean="0">
               <a:solidFill>
                 <a:srgbClr val="00B0F0"/>
               </a:solidFill>
@@ -18918,7 +19120,7 @@
           <a:p>
             <a:pPr marL="720000" indent="0">
               <a:lnSpc>
-                <a:spcPct val="140000"/>
+                <a:spcPct val="120000"/>
               </a:lnSpc>
               <a:spcBef>
                 <a:spcPts val="0"/>
@@ -18927,7 +19129,7 @@
               <a:defRPr/>
             </a:pPr>
             <a:r>
-              <a:rPr lang="en-US" altLang="zh-CN" sz="2400" b="1" i="1" dirty="0" smtClean="0">
+              <a:rPr lang="en-US" altLang="zh-CN" sz="1800" b="1" i="1" dirty="0" smtClean="0">
                 <a:solidFill>
                   <a:srgbClr val="00B0F0"/>
                 </a:solidFill>
@@ -18935,7 +19137,7 @@
               <a:t>if</a:t>
             </a:r>
             <a:r>
-              <a:rPr lang="en-US" altLang="zh-CN" sz="2400" i="1" dirty="0" smtClean="0">
+              <a:rPr lang="en-US" altLang="zh-CN" sz="1800" i="1" dirty="0" smtClean="0">
                 <a:solidFill>
                   <a:srgbClr val="00B0F0"/>
                 </a:solidFill>
@@ -18943,7 +19145,7 @@
               <a:t> </a:t>
             </a:r>
             <a:r>
-              <a:rPr lang="en-US" altLang="zh-CN" sz="2400" i="1" dirty="0">
+              <a:rPr lang="en-US" altLang="zh-CN" sz="1800" i="1" dirty="0">
                 <a:solidFill>
                   <a:srgbClr val="00B0F0"/>
                 </a:solidFill>
@@ -18954,7 +19156,7 @@
           <a:p>
             <a:pPr marL="720000" indent="0">
               <a:lnSpc>
-                <a:spcPct val="140000"/>
+                <a:spcPct val="120000"/>
               </a:lnSpc>
               <a:spcBef>
                 <a:spcPts val="0"/>
@@ -18963,7 +19165,7 @@
               <a:defRPr/>
             </a:pPr>
             <a:r>
-              <a:rPr lang="en-US" altLang="zh-CN" sz="2400" i="1" dirty="0" smtClean="0">
+              <a:rPr lang="en-US" altLang="zh-CN" sz="1800" i="1" dirty="0" smtClean="0">
                 <a:solidFill>
                   <a:srgbClr val="00B0F0"/>
                 </a:solidFill>
@@ -18971,7 +19173,7 @@
               <a:t>x.transfer(10</a:t>
             </a:r>
             <a:r>
-              <a:rPr lang="en-US" altLang="zh-CN" sz="2400" i="1" dirty="0">
+              <a:rPr lang="en-US" altLang="zh-CN" sz="1800" i="1" dirty="0">
                 <a:solidFill>
                   <a:srgbClr val="00B0F0"/>
                 </a:solidFill>
@@ -18982,20 +19184,20 @@
           <a:p>
             <a:pPr marL="360000" indent="0">
               <a:lnSpc>
-                <a:spcPct val="140000"/>
-              </a:lnSpc>
-              <a:buNone/>
-            </a:pPr>
-            <a:r>
-              <a:rPr lang="en-US" altLang="zh-CN" sz="2400" b="1" dirty="0" smtClean="0"/>
+                <a:spcPct val="120000"/>
+              </a:lnSpc>
+              <a:buNone/>
+            </a:pPr>
+            <a:r>
+              <a:rPr lang="en-US" altLang="zh-CN" sz="1800" b="1" dirty="0" smtClean="0"/>
               <a:t>send</a:t>
             </a:r>
-            <a:endParaRPr lang="en-US" altLang="zh-CN" sz="2400" dirty="0" smtClean="0"/>
+            <a:endParaRPr lang="en-US" altLang="zh-CN" sz="1800" dirty="0" smtClean="0"/>
           </a:p>
           <a:p>
             <a:pPr>
               <a:lnSpc>
-                <a:spcPct val="140000"/>
+                <a:spcPct val="120000"/>
               </a:lnSpc>
               <a:spcBef>
                 <a:spcPts val="0"/>
@@ -19003,50 +19205,50 @@
               <a:defRPr/>
             </a:pPr>
             <a:r>
-              <a:rPr lang="en-US" altLang="zh-CN" sz="2400" dirty="0"/>
+              <a:rPr lang="en-US" altLang="zh-CN" sz="1800" dirty="0"/>
               <a:t>send </a:t>
             </a:r>
             <a:r>
-              <a:rPr lang="zh-CN" altLang="en-US" sz="2400" dirty="0"/>
+              <a:rPr lang="zh-CN" altLang="en-US" sz="1800" dirty="0"/>
               <a:t>是 </a:t>
             </a:r>
             <a:r>
-              <a:rPr lang="en-US" altLang="zh-CN" sz="2400" dirty="0"/>
+              <a:rPr lang="en-US" altLang="zh-CN" sz="1800" dirty="0"/>
               <a:t>transfer </a:t>
             </a:r>
             <a:r>
-              <a:rPr lang="zh-CN" altLang="en-US" sz="2400" dirty="0"/>
+              <a:rPr lang="zh-CN" altLang="en-US" sz="1800" dirty="0"/>
               <a:t>的低级版本。如果执行失败，当前的合约不会因为异常而终止，但 </a:t>
             </a:r>
             <a:r>
-              <a:rPr lang="en-US" altLang="zh-CN" sz="2400" dirty="0"/>
+              <a:rPr lang="en-US" altLang="zh-CN" sz="1800" dirty="0"/>
               <a:t>send </a:t>
             </a:r>
             <a:r>
-              <a:rPr lang="zh-CN" altLang="en-US" sz="2400" dirty="0"/>
+              <a:rPr lang="zh-CN" altLang="en-US" sz="1800" dirty="0"/>
               <a:t>会返回 </a:t>
             </a:r>
             <a:r>
-              <a:rPr lang="en-US" altLang="zh-CN" sz="2400" dirty="0" smtClean="0"/>
+              <a:rPr lang="en-US" altLang="zh-CN" sz="1800" dirty="0" smtClean="0"/>
               <a:t>false</a:t>
             </a:r>
           </a:p>
           <a:p>
             <a:pPr marL="360000" indent="0">
               <a:lnSpc>
-                <a:spcPct val="140000"/>
-              </a:lnSpc>
-              <a:buNone/>
-            </a:pPr>
-            <a:r>
-              <a:rPr lang="en-US" altLang="zh-CN" sz="2400" b="1" dirty="0"/>
+                <a:spcPct val="120000"/>
+              </a:lnSpc>
+              <a:buNone/>
+            </a:pPr>
+            <a:r>
+              <a:rPr lang="en-US" altLang="zh-CN" sz="1800" b="1" dirty="0"/>
               <a:t>call</a:t>
             </a:r>
           </a:p>
           <a:p>
             <a:pPr>
               <a:lnSpc>
-                <a:spcPct val="140000"/>
+                <a:spcPct val="120000"/>
               </a:lnSpc>
               <a:spcBef>
                 <a:spcPts val="0"/>
@@ -19054,43 +19256,43 @@
               <a:defRPr/>
             </a:pPr>
             <a:r>
-              <a:rPr lang="zh-CN" altLang="en-US" sz="2400" dirty="0" smtClean="0"/>
+              <a:rPr lang="zh-CN" altLang="en-US" sz="1800" dirty="0" smtClean="0"/>
               <a:t>也</a:t>
             </a:r>
             <a:r>
-              <a:rPr lang="zh-CN" altLang="en-US" sz="2400" dirty="0"/>
+              <a:rPr lang="zh-CN" altLang="en-US" sz="1800" dirty="0"/>
               <a:t>可以用</a:t>
             </a:r>
             <a:r>
-              <a:rPr lang="en-US" altLang="zh-CN" sz="2400" dirty="0"/>
+              <a:rPr lang="en-US" altLang="zh-CN" sz="1800" dirty="0"/>
               <a:t>call</a:t>
             </a:r>
             <a:r>
-              <a:rPr lang="zh-CN" altLang="en-US" sz="2400" dirty="0"/>
+              <a:rPr lang="zh-CN" altLang="en-US" sz="1800" dirty="0"/>
               <a:t>来实现转币的操作，通过添加</a:t>
             </a:r>
             <a:r>
-              <a:rPr lang="en-US" altLang="zh-CN" sz="2400" dirty="0"/>
+              <a:rPr lang="en-US" altLang="zh-CN" sz="1800" dirty="0"/>
               <a:t>.gas()</a:t>
             </a:r>
             <a:r>
-              <a:rPr lang="zh-CN" altLang="en-US" sz="2400" dirty="0"/>
+              <a:rPr lang="zh-CN" altLang="en-US" sz="1800" dirty="0"/>
               <a:t>和</a:t>
             </a:r>
             <a:r>
-              <a:rPr lang="en-US" altLang="zh-CN" sz="2400" dirty="0"/>
+              <a:rPr lang="en-US" altLang="zh-CN" sz="1800" dirty="0"/>
               <a:t>.value()</a:t>
             </a:r>
             <a:r>
-              <a:rPr lang="zh-CN" altLang="en-US" sz="2400" dirty="0"/>
+              <a:rPr lang="zh-CN" altLang="en-US" sz="1800" dirty="0"/>
               <a:t>修饰器：</a:t>
             </a:r>
-            <a:endParaRPr lang="en-US" altLang="zh-CN" sz="2400" dirty="0"/>
+            <a:endParaRPr lang="en-US" altLang="zh-CN" sz="1800" dirty="0"/>
           </a:p>
           <a:p>
             <a:pPr marL="720000" indent="0">
               <a:lnSpc>
-                <a:spcPct val="140000"/>
+                <a:spcPct val="120000"/>
               </a:lnSpc>
               <a:spcBef>
                 <a:spcPts val="0"/>
@@ -19099,7 +19301,7 @@
               <a:defRPr/>
             </a:pPr>
             <a:r>
-              <a:rPr lang="en-US" altLang="zh-CN" sz="2400" i="1" dirty="0">
+              <a:rPr lang="en-US" altLang="zh-CN" sz="1800" i="1" dirty="0">
                 <a:solidFill>
                   <a:srgbClr val="00B0F0"/>
                 </a:solidFill>
@@ -19107,7 +19309,7 @@
               <a:t>nameReg.call</a:t>
             </a:r>
             <a:r>
-              <a:rPr lang="en-US" altLang="zh-CN" sz="2400" b="1" i="1" dirty="0">
+              <a:rPr lang="en-US" altLang="zh-CN" sz="1800" b="1" i="1" dirty="0">
                 <a:solidFill>
                   <a:srgbClr val="00B0F0"/>
                 </a:solidFill>
@@ -19115,7 +19317,7 @@
               <a:t>.gas</a:t>
             </a:r>
             <a:r>
-              <a:rPr lang="en-US" altLang="zh-CN" sz="2400" i="1" dirty="0">
+              <a:rPr lang="en-US" altLang="zh-CN" sz="1800" i="1" dirty="0">
                 <a:solidFill>
                   <a:srgbClr val="00B0F0"/>
                 </a:solidFill>
@@ -19123,7 +19325,7 @@
               <a:t>(1000000)</a:t>
             </a:r>
             <a:r>
-              <a:rPr lang="en-US" altLang="zh-CN" sz="2400" b="1" i="1" dirty="0">
+              <a:rPr lang="en-US" altLang="zh-CN" sz="1800" b="1" i="1" dirty="0">
                 <a:solidFill>
                   <a:srgbClr val="00B0F0"/>
                 </a:solidFill>
@@ -19131,7 +19333,7 @@
               <a:t>.value</a:t>
             </a:r>
             <a:r>
-              <a:rPr lang="en-US" altLang="zh-CN" sz="2400" i="1" dirty="0">
+              <a:rPr lang="en-US" altLang="zh-CN" sz="1800" i="1" dirty="0">
                 <a:solidFill>
                   <a:srgbClr val="00B0F0"/>
                 </a:solidFill>
@@ -19139,7 +19341,7 @@
               <a:t>(1 </a:t>
             </a:r>
             <a:r>
-              <a:rPr lang="en-US" altLang="zh-CN" sz="2400" i="1" dirty="0" smtClean="0">
+              <a:rPr lang="en-US" altLang="zh-CN" sz="1800" i="1" dirty="0" smtClean="0">
                 <a:solidFill>
                   <a:srgbClr val="00B0F0"/>
                 </a:solidFill>
@@ -19147,21 +19349,34 @@
               <a:t>		ether</a:t>
             </a:r>
             <a:r>
-              <a:rPr lang="en-US" altLang="zh-CN" sz="2400" i="1" dirty="0">
+              <a:rPr lang="en-US" altLang="zh-CN" sz="1800" i="1" dirty="0">
                 <a:solidFill>
                   <a:srgbClr val="00B0F0"/>
                 </a:solidFill>
               </a:rPr>
-              <a:t>)(abi.encodeWithSignature("register(string)", "MyName"));</a:t>
-            </a:r>
-          </a:p>
-          <a:p>
-            <a:pPr>
-              <a:lnSpc>
-                <a:spcPct val="130000"/>
-              </a:lnSpc>
-            </a:pPr>
-            <a:endParaRPr lang="en-US" altLang="zh-CN" sz="2000" dirty="0" smtClean="0"/>
+              <a:t>)(abi.encodeWithSignature("register(string)", "</a:t>
+            </a:r>
+            <a:r>
+              <a:rPr lang="en-US" altLang="zh-CN" sz="1800" i="1">
+                <a:solidFill>
+                  <a:srgbClr val="00B0F0"/>
+                </a:solidFill>
+              </a:rPr>
+              <a:t>MyName</a:t>
+            </a:r>
+            <a:r>
+              <a:rPr lang="en-US" altLang="zh-CN" sz="1800" i="1" smtClean="0">
+                <a:solidFill>
+                  <a:srgbClr val="00B0F0"/>
+                </a:solidFill>
+              </a:rPr>
+              <a:t>"));</a:t>
+            </a:r>
+            <a:endParaRPr lang="en-US" altLang="zh-CN" sz="1800" i="1" dirty="0">
+              <a:solidFill>
+                <a:srgbClr val="00B0F0"/>
+              </a:solidFill>
+            </a:endParaRPr>
           </a:p>
         </p:txBody>
       </p:sp>
@@ -19212,34 +19427,41 @@
             <p:ph type="title"/>
           </p:nvPr>
         </p:nvSpPr>
-        <p:spPr/>
-        <p:txBody>
-          <a:bodyPr/>
+        <p:spPr>
+          <a:xfrm>
+            <a:off x="457200" y="485800"/>
+            <a:ext cx="8229600" cy="1143000"/>
+          </a:xfrm>
+        </p:spPr>
+        <p:txBody>
+          <a:bodyPr>
+            <a:normAutofit/>
+          </a:bodyPr>
           <a:lstStyle/>
           <a:p>
             <a:pPr algn="l"/>
             <a:r>
-              <a:rPr lang="zh-CN" altLang="en-US" dirty="0" smtClean="0">
+              <a:rPr lang="zh-CN" altLang="en-US" sz="3600" dirty="0" smtClean="0">
                 <a:latin typeface="微软雅黑 Light" pitchFamily="34" charset="-122"/>
                 <a:ea typeface="微软雅黑 Light" pitchFamily="34" charset="-122"/>
               </a:rPr>
               <a:t>  枚举（</a:t>
             </a:r>
             <a:r>
-              <a:rPr lang="en-US" altLang="zh-CN" dirty="0">
+              <a:rPr lang="en-US" altLang="zh-CN" sz="3600" dirty="0">
                 <a:latin typeface="微软雅黑 Light" pitchFamily="34" charset="-122"/>
                 <a:ea typeface="微软雅黑 Light" pitchFamily="34" charset="-122"/>
               </a:rPr>
               <a:t>Enum</a:t>
             </a:r>
             <a:r>
-              <a:rPr lang="zh-CN" altLang="en-US" dirty="0" smtClean="0">
+              <a:rPr lang="zh-CN" altLang="en-US" sz="3600" dirty="0" smtClean="0">
                 <a:latin typeface="微软雅黑 Light" pitchFamily="34" charset="-122"/>
                 <a:ea typeface="微软雅黑 Light" pitchFamily="34" charset="-122"/>
               </a:rPr>
               <a:t>）</a:t>
             </a:r>
-            <a:endParaRPr lang="zh-CN" altLang="en-US" dirty="0">
+            <a:endParaRPr lang="zh-CN" altLang="en-US" sz="3600" dirty="0">
               <a:latin typeface="微软雅黑 Light" pitchFamily="34" charset="-122"/>
               <a:ea typeface="微软雅黑 Light" pitchFamily="34" charset="-122"/>
             </a:endParaRPr>
